--- a/PowerBI.pptx
+++ b/PowerBI.pptx
@@ -4,10 +4,15 @@
   <p:sldMasterIdLst>
     <p:sldMasterId id="2147483648" r:id="rId1"/>
   </p:sldMasterIdLst>
+  <p:notesMasterIdLst>
+    <p:notesMasterId r:id="rId7"/>
+  </p:notesMasterIdLst>
   <p:sldIdLst>
     <p:sldId id="256" r:id="rId2"/>
-    <p:sldId id="257" r:id="rId3"/>
+    <p:sldId id="261" r:id="rId3"/>
     <p:sldId id="258" r:id="rId4"/>
+    <p:sldId id="259" r:id="rId5"/>
+    <p:sldId id="260" r:id="rId6"/>
   </p:sldIdLst>
   <p:sldSz cx="12192000" cy="6858000"/>
   <p:notesSz cx="6858000" cy="9144000"/>
@@ -107,6 +112,483 @@
     </a:lvl9pPr>
   </p:defaultTextStyle>
 </p:presentation>
+</file>
+
+<file path=ppt/notesMasters/notesMaster1.xml><?xml version="1.0" encoding="utf-8"?>
+<p:notesMaster xmlns:a="http://schemas.openxmlformats.org/drawingml/2006/main" xmlns:r="http://schemas.openxmlformats.org/officeDocument/2006/relationships" xmlns:p="http://schemas.openxmlformats.org/presentationml/2006/main">
+  <p:cSld>
+    <p:bg>
+      <p:bgRef idx="1001">
+        <a:schemeClr val="bg1"/>
+      </p:bgRef>
+    </p:bg>
+    <p:spTree>
+      <p:nvGrpSpPr>
+        <p:cNvPr id="1" name=""/>
+        <p:cNvGrpSpPr/>
+        <p:nvPr/>
+      </p:nvGrpSpPr>
+      <p:grpSpPr>
+        <a:xfrm>
+          <a:off x="0" y="0"/>
+          <a:ext cx="0" cy="0"/>
+          <a:chOff x="0" y="0"/>
+          <a:chExt cx="0" cy="0"/>
+        </a:xfrm>
+      </p:grpSpPr>
+      <p:sp>
+        <p:nvSpPr>
+          <p:cNvPr id="2" name="Header Placeholder 1"/>
+          <p:cNvSpPr>
+            <a:spLocks noGrp="1"/>
+          </p:cNvSpPr>
+          <p:nvPr>
+            <p:ph type="hdr" sz="quarter"/>
+          </p:nvPr>
+        </p:nvSpPr>
+        <p:spPr>
+          <a:xfrm>
+            <a:off x="0" y="0"/>
+            <a:ext cx="2971800" cy="458788"/>
+          </a:xfrm>
+          <a:prstGeom prst="rect">
+            <a:avLst/>
+          </a:prstGeom>
+        </p:spPr>
+        <p:txBody>
+          <a:bodyPr vert="horz" lIns="91440" tIns="45720" rIns="91440" bIns="45720" rtlCol="0"/>
+          <a:lstStyle>
+            <a:lvl1pPr algn="l">
+              <a:defRPr sz="1200"/>
+            </a:lvl1pPr>
+          </a:lstStyle>
+          <a:p>
+            <a:endParaRPr lang="en-GB"/>
+          </a:p>
+        </p:txBody>
+      </p:sp>
+      <p:sp>
+        <p:nvSpPr>
+          <p:cNvPr id="3" name="Date Placeholder 2"/>
+          <p:cNvSpPr>
+            <a:spLocks noGrp="1"/>
+          </p:cNvSpPr>
+          <p:nvPr>
+            <p:ph type="dt" idx="1"/>
+          </p:nvPr>
+        </p:nvSpPr>
+        <p:spPr>
+          <a:xfrm>
+            <a:off x="3884613" y="0"/>
+            <a:ext cx="2971800" cy="458788"/>
+          </a:xfrm>
+          <a:prstGeom prst="rect">
+            <a:avLst/>
+          </a:prstGeom>
+        </p:spPr>
+        <p:txBody>
+          <a:bodyPr vert="horz" lIns="91440" tIns="45720" rIns="91440" bIns="45720" rtlCol="0"/>
+          <a:lstStyle>
+            <a:lvl1pPr algn="r">
+              <a:defRPr sz="1200"/>
+            </a:lvl1pPr>
+          </a:lstStyle>
+          <a:p>
+            <a:fld id="{A0DAE826-1323-4589-A558-4871D7062814}" type="datetimeFigureOut">
+              <a:rPr lang="en-GB" smtClean="0"/>
+              <a:t>19/02/2026</a:t>
+            </a:fld>
+            <a:endParaRPr lang="en-GB"/>
+          </a:p>
+        </p:txBody>
+      </p:sp>
+      <p:sp>
+        <p:nvSpPr>
+          <p:cNvPr id="4" name="Slide Image Placeholder 3"/>
+          <p:cNvSpPr>
+            <a:spLocks noGrp="1" noRot="1" noChangeAspect="1"/>
+          </p:cNvSpPr>
+          <p:nvPr>
+            <p:ph type="sldImg" idx="2"/>
+          </p:nvPr>
+        </p:nvSpPr>
+        <p:spPr>
+          <a:xfrm>
+            <a:off x="685800" y="1143000"/>
+            <a:ext cx="5486400" cy="3086100"/>
+          </a:xfrm>
+          <a:prstGeom prst="rect">
+            <a:avLst/>
+          </a:prstGeom>
+          <a:noFill/>
+          <a:ln w="12700">
+            <a:solidFill>
+              <a:prstClr val="black"/>
+            </a:solidFill>
+          </a:ln>
+        </p:spPr>
+        <p:txBody>
+          <a:bodyPr vert="horz" lIns="91440" tIns="45720" rIns="91440" bIns="45720" rtlCol="0" anchor="ctr"/>
+          <a:lstStyle/>
+          <a:p>
+            <a:endParaRPr lang="en-GB"/>
+          </a:p>
+        </p:txBody>
+      </p:sp>
+      <p:sp>
+        <p:nvSpPr>
+          <p:cNvPr id="5" name="Notes Placeholder 4"/>
+          <p:cNvSpPr>
+            <a:spLocks noGrp="1"/>
+          </p:cNvSpPr>
+          <p:nvPr>
+            <p:ph type="body" sz="quarter" idx="3"/>
+          </p:nvPr>
+        </p:nvSpPr>
+        <p:spPr>
+          <a:xfrm>
+            <a:off x="685800" y="4400550"/>
+            <a:ext cx="5486400" cy="3600450"/>
+          </a:xfrm>
+          <a:prstGeom prst="rect">
+            <a:avLst/>
+          </a:prstGeom>
+        </p:spPr>
+        <p:txBody>
+          <a:bodyPr vert="horz" lIns="91440" tIns="45720" rIns="91440" bIns="45720" rtlCol="0"/>
+          <a:lstStyle/>
+          <a:p>
+            <a:pPr lvl="0"/>
+            <a:r>
+              <a:rPr lang="en-US"/>
+              <a:t>Click to edit Master text styles</a:t>
+            </a:r>
+          </a:p>
+          <a:p>
+            <a:pPr lvl="1"/>
+            <a:r>
+              <a:rPr lang="en-US"/>
+              <a:t>Second level</a:t>
+            </a:r>
+          </a:p>
+          <a:p>
+            <a:pPr lvl="2"/>
+            <a:r>
+              <a:rPr lang="en-US"/>
+              <a:t>Third level</a:t>
+            </a:r>
+          </a:p>
+          <a:p>
+            <a:pPr lvl="3"/>
+            <a:r>
+              <a:rPr lang="en-US"/>
+              <a:t>Fourth level</a:t>
+            </a:r>
+          </a:p>
+          <a:p>
+            <a:pPr lvl="4"/>
+            <a:r>
+              <a:rPr lang="en-US"/>
+              <a:t>Fifth level</a:t>
+            </a:r>
+            <a:endParaRPr lang="en-GB"/>
+          </a:p>
+        </p:txBody>
+      </p:sp>
+      <p:sp>
+        <p:nvSpPr>
+          <p:cNvPr id="6" name="Footer Placeholder 5"/>
+          <p:cNvSpPr>
+            <a:spLocks noGrp="1"/>
+          </p:cNvSpPr>
+          <p:nvPr>
+            <p:ph type="ftr" sz="quarter" idx="4"/>
+          </p:nvPr>
+        </p:nvSpPr>
+        <p:spPr>
+          <a:xfrm>
+            <a:off x="0" y="8685213"/>
+            <a:ext cx="2971800" cy="458787"/>
+          </a:xfrm>
+          <a:prstGeom prst="rect">
+            <a:avLst/>
+          </a:prstGeom>
+        </p:spPr>
+        <p:txBody>
+          <a:bodyPr vert="horz" lIns="91440" tIns="45720" rIns="91440" bIns="45720" rtlCol="0" anchor="b"/>
+          <a:lstStyle>
+            <a:lvl1pPr algn="l">
+              <a:defRPr sz="1200"/>
+            </a:lvl1pPr>
+          </a:lstStyle>
+          <a:p>
+            <a:endParaRPr lang="en-GB"/>
+          </a:p>
+        </p:txBody>
+      </p:sp>
+      <p:sp>
+        <p:nvSpPr>
+          <p:cNvPr id="7" name="Slide Number Placeholder 6"/>
+          <p:cNvSpPr>
+            <a:spLocks noGrp="1"/>
+          </p:cNvSpPr>
+          <p:nvPr>
+            <p:ph type="sldNum" sz="quarter" idx="5"/>
+          </p:nvPr>
+        </p:nvSpPr>
+        <p:spPr>
+          <a:xfrm>
+            <a:off x="3884613" y="8685213"/>
+            <a:ext cx="2971800" cy="458787"/>
+          </a:xfrm>
+          <a:prstGeom prst="rect">
+            <a:avLst/>
+          </a:prstGeom>
+        </p:spPr>
+        <p:txBody>
+          <a:bodyPr vert="horz" lIns="91440" tIns="45720" rIns="91440" bIns="45720" rtlCol="0" anchor="b"/>
+          <a:lstStyle>
+            <a:lvl1pPr algn="r">
+              <a:defRPr sz="1200"/>
+            </a:lvl1pPr>
+          </a:lstStyle>
+          <a:p>
+            <a:fld id="{151FDF57-A14F-48D9-9E69-604C729D1E50}" type="slidenum">
+              <a:rPr lang="en-GB" smtClean="0"/>
+              <a:t>‹#›</a:t>
+            </a:fld>
+            <a:endParaRPr lang="en-GB"/>
+          </a:p>
+        </p:txBody>
+      </p:sp>
+    </p:spTree>
+    <p:extLst>
+      <p:ext uri="{BB962C8B-B14F-4D97-AF65-F5344CB8AC3E}">
+        <p14:creationId xmlns:p14="http://schemas.microsoft.com/office/powerpoint/2010/main" val="1733244510"/>
+      </p:ext>
+    </p:extLst>
+  </p:cSld>
+  <p:clrMap bg1="lt1" tx1="dk1" bg2="lt2" tx2="dk2" accent1="accent1" accent2="accent2" accent3="accent3" accent4="accent4" accent5="accent5" accent6="accent6" hlink="hlink" folHlink="folHlink"/>
+  <p:notesStyle>
+    <a:lvl1pPr marL="0" algn="l" defTabSz="914400" rtl="0" eaLnBrk="1" latinLnBrk="0" hangingPunct="1">
+      <a:defRPr sz="1200" kern="1200">
+        <a:solidFill>
+          <a:schemeClr val="tx1"/>
+        </a:solidFill>
+        <a:latin typeface="+mn-lt"/>
+        <a:ea typeface="+mn-ea"/>
+        <a:cs typeface="+mn-cs"/>
+      </a:defRPr>
+    </a:lvl1pPr>
+    <a:lvl2pPr marL="457200" algn="l" defTabSz="914400" rtl="0" eaLnBrk="1" latinLnBrk="0" hangingPunct="1">
+      <a:defRPr sz="1200" kern="1200">
+        <a:solidFill>
+          <a:schemeClr val="tx1"/>
+        </a:solidFill>
+        <a:latin typeface="+mn-lt"/>
+        <a:ea typeface="+mn-ea"/>
+        <a:cs typeface="+mn-cs"/>
+      </a:defRPr>
+    </a:lvl2pPr>
+    <a:lvl3pPr marL="914400" algn="l" defTabSz="914400" rtl="0" eaLnBrk="1" latinLnBrk="0" hangingPunct="1">
+      <a:defRPr sz="1200" kern="1200">
+        <a:solidFill>
+          <a:schemeClr val="tx1"/>
+        </a:solidFill>
+        <a:latin typeface="+mn-lt"/>
+        <a:ea typeface="+mn-ea"/>
+        <a:cs typeface="+mn-cs"/>
+      </a:defRPr>
+    </a:lvl3pPr>
+    <a:lvl4pPr marL="1371600" algn="l" defTabSz="914400" rtl="0" eaLnBrk="1" latinLnBrk="0" hangingPunct="1">
+      <a:defRPr sz="1200" kern="1200">
+        <a:solidFill>
+          <a:schemeClr val="tx1"/>
+        </a:solidFill>
+        <a:latin typeface="+mn-lt"/>
+        <a:ea typeface="+mn-ea"/>
+        <a:cs typeface="+mn-cs"/>
+      </a:defRPr>
+    </a:lvl4pPr>
+    <a:lvl5pPr marL="1828800" algn="l" defTabSz="914400" rtl="0" eaLnBrk="1" latinLnBrk="0" hangingPunct="1">
+      <a:defRPr sz="1200" kern="1200">
+        <a:solidFill>
+          <a:schemeClr val="tx1"/>
+        </a:solidFill>
+        <a:latin typeface="+mn-lt"/>
+        <a:ea typeface="+mn-ea"/>
+        <a:cs typeface="+mn-cs"/>
+      </a:defRPr>
+    </a:lvl5pPr>
+    <a:lvl6pPr marL="2286000" algn="l" defTabSz="914400" rtl="0" eaLnBrk="1" latinLnBrk="0" hangingPunct="1">
+      <a:defRPr sz="1200" kern="1200">
+        <a:solidFill>
+          <a:schemeClr val="tx1"/>
+        </a:solidFill>
+        <a:latin typeface="+mn-lt"/>
+        <a:ea typeface="+mn-ea"/>
+        <a:cs typeface="+mn-cs"/>
+      </a:defRPr>
+    </a:lvl6pPr>
+    <a:lvl7pPr marL="2743200" algn="l" defTabSz="914400" rtl="0" eaLnBrk="1" latinLnBrk="0" hangingPunct="1">
+      <a:defRPr sz="1200" kern="1200">
+        <a:solidFill>
+          <a:schemeClr val="tx1"/>
+        </a:solidFill>
+        <a:latin typeface="+mn-lt"/>
+        <a:ea typeface="+mn-ea"/>
+        <a:cs typeface="+mn-cs"/>
+      </a:defRPr>
+    </a:lvl7pPr>
+    <a:lvl8pPr marL="3200400" algn="l" defTabSz="914400" rtl="0" eaLnBrk="1" latinLnBrk="0" hangingPunct="1">
+      <a:defRPr sz="1200" kern="1200">
+        <a:solidFill>
+          <a:schemeClr val="tx1"/>
+        </a:solidFill>
+        <a:latin typeface="+mn-lt"/>
+        <a:ea typeface="+mn-ea"/>
+        <a:cs typeface="+mn-cs"/>
+      </a:defRPr>
+    </a:lvl8pPr>
+    <a:lvl9pPr marL="3657600" algn="l" defTabSz="914400" rtl="0" eaLnBrk="1" latinLnBrk="0" hangingPunct="1">
+      <a:defRPr sz="1200" kern="1200">
+        <a:solidFill>
+          <a:schemeClr val="tx1"/>
+        </a:solidFill>
+        <a:latin typeface="+mn-lt"/>
+        <a:ea typeface="+mn-ea"/>
+        <a:cs typeface="+mn-cs"/>
+      </a:defRPr>
+    </a:lvl9pPr>
+  </p:notesStyle>
+</p:notesMaster>
+</file>
+
+<file path=ppt/notesSlides/notesSlide1.xml><?xml version="1.0" encoding="utf-8"?>
+<p:notes xmlns:a="http://schemas.openxmlformats.org/drawingml/2006/main" xmlns:r="http://schemas.openxmlformats.org/officeDocument/2006/relationships" xmlns:p="http://schemas.openxmlformats.org/presentationml/2006/main">
+  <p:cSld>
+    <p:spTree>
+      <p:nvGrpSpPr>
+        <p:cNvPr id="1" name=""/>
+        <p:cNvGrpSpPr/>
+        <p:nvPr/>
+      </p:nvGrpSpPr>
+      <p:grpSpPr>
+        <a:xfrm>
+          <a:off x="0" y="0"/>
+          <a:ext cx="0" cy="0"/>
+          <a:chOff x="0" y="0"/>
+          <a:chExt cx="0" cy="0"/>
+        </a:xfrm>
+      </p:grpSpPr>
+      <p:sp>
+        <p:nvSpPr>
+          <p:cNvPr id="2" name="Slide Image Placeholder 1"/>
+          <p:cNvSpPr>
+            <a:spLocks noGrp="1" noRot="1" noChangeAspect="1"/>
+          </p:cNvSpPr>
+          <p:nvPr>
+            <p:ph type="sldImg"/>
+          </p:nvPr>
+        </p:nvSpPr>
+        <p:spPr/>
+      </p:sp>
+      <p:sp>
+        <p:nvSpPr>
+          <p:cNvPr id="3" name="Notes Placeholder 2"/>
+          <p:cNvSpPr>
+            <a:spLocks noGrp="1"/>
+          </p:cNvSpPr>
+          <p:nvPr>
+            <p:ph type="body" idx="1"/>
+          </p:nvPr>
+        </p:nvSpPr>
+        <p:spPr/>
+        <p:txBody>
+          <a:bodyPr/>
+          <a:lstStyle/>
+          <a:p>
+            <a:r>
+              <a:rPr lang="en-US" dirty="0"/>
+              <a:t>Market Share as at 19</a:t>
+            </a:r>
+            <a:r>
+              <a:rPr lang="en-US" baseline="30000" dirty="0"/>
+              <a:t>th</a:t>
+            </a:r>
+            <a:r>
+              <a:rPr lang="en-US" dirty="0"/>
+              <a:t> February 2026</a:t>
+            </a:r>
+            <a:br>
+              <a:rPr lang="en-US" dirty="0"/>
+            </a:br>
+            <a:r>
+              <a:rPr lang="en-US" dirty="0"/>
+              <a:t>Power BI – 23.07%</a:t>
+            </a:r>
+          </a:p>
+          <a:p>
+            <a:r>
+              <a:rPr lang="en-US" dirty="0"/>
+              <a:t>Tableau – 17.82%</a:t>
+            </a:r>
+          </a:p>
+          <a:p>
+            <a:r>
+              <a:rPr lang="en-US" dirty="0"/>
+              <a:t>Notion – 7.18%</a:t>
+            </a:r>
+          </a:p>
+          <a:p>
+            <a:r>
+              <a:rPr lang="en-US" dirty="0"/>
+              <a:t>NetSuite – 5.72%</a:t>
+            </a:r>
+          </a:p>
+          <a:p>
+            <a:r>
+              <a:rPr lang="en-US" dirty="0"/>
+              <a:t>SAP Crystal Solutions – 5.51%</a:t>
+            </a:r>
+            <a:endParaRPr lang="en-GB" dirty="0"/>
+          </a:p>
+        </p:txBody>
+      </p:sp>
+      <p:sp>
+        <p:nvSpPr>
+          <p:cNvPr id="4" name="Slide Number Placeholder 3"/>
+          <p:cNvSpPr>
+            <a:spLocks noGrp="1"/>
+          </p:cNvSpPr>
+          <p:nvPr>
+            <p:ph type="sldNum" sz="quarter" idx="5"/>
+          </p:nvPr>
+        </p:nvSpPr>
+        <p:spPr/>
+        <p:txBody>
+          <a:bodyPr/>
+          <a:lstStyle/>
+          <a:p>
+            <a:fld id="{151FDF57-A14F-48D9-9E69-604C729D1E50}" type="slidenum">
+              <a:rPr lang="en-GB" smtClean="0"/>
+              <a:t>4</a:t>
+            </a:fld>
+            <a:endParaRPr lang="en-GB"/>
+          </a:p>
+        </p:txBody>
+      </p:sp>
+    </p:spTree>
+    <p:extLst>
+      <p:ext uri="{BB962C8B-B14F-4D97-AF65-F5344CB8AC3E}">
+        <p14:creationId xmlns:p14="http://schemas.microsoft.com/office/powerpoint/2010/main" val="241232304"/>
+      </p:ext>
+    </p:extLst>
+  </p:cSld>
+  <p:clrMapOvr>
+    <a:masterClrMapping/>
+  </p:clrMapOvr>
+</p:notes>
 </file>
 
 <file path=ppt/slideLayouts/slideLayout1.xml><?xml version="1.0" encoding="utf-8"?>
@@ -3527,7 +4009,7 @@
           <p:cNvPr id="2" name="Title 1">
             <a:extLst>
               <a:ext uri="{FF2B5EF4-FFF2-40B4-BE49-F238E27FC236}">
-                <a16:creationId xmlns:a16="http://schemas.microsoft.com/office/drawing/2014/main" id="{940CB41E-9088-4317-9FA6-E6F87B2F4916}"/>
+                <a16:creationId xmlns:a16="http://schemas.microsoft.com/office/drawing/2014/main" id="{9B82C9CA-CCA5-4918-A0DD-4662618DF4D9}"/>
               </a:ext>
             </a:extLst>
           </p:cNvPr>
@@ -3556,30 +4038,621 @@
           <p:cNvPr id="3" name="Content Placeholder 2">
             <a:extLst>
               <a:ext uri="{FF2B5EF4-FFF2-40B4-BE49-F238E27FC236}">
-                <a16:creationId xmlns:a16="http://schemas.microsoft.com/office/drawing/2014/main" id="{7C2E8B6E-1348-4B4F-B873-5983E10AB87C}"/>
-              </a:ext>
-            </a:extLst>
-          </p:cNvPr>
-          <p:cNvSpPr>
-            <a:spLocks noGrp="1"/>
-          </p:cNvSpPr>
-          <p:nvPr>
-            <p:ph idx="1"/>
-          </p:nvPr>
-        </p:nvSpPr>
-        <p:spPr/>
-        <p:txBody>
-          <a:bodyPr/>
+                <a16:creationId xmlns:a16="http://schemas.microsoft.com/office/drawing/2014/main" id="{7A19C486-77B5-4C59-892C-67B5562D3905}"/>
+              </a:ext>
+            </a:extLst>
+          </p:cNvPr>
+          <p:cNvSpPr>
+            <a:spLocks noGrp="1"/>
+          </p:cNvSpPr>
+          <p:nvPr>
+            <p:ph sz="half" idx="1"/>
+          </p:nvPr>
+        </p:nvSpPr>
+        <p:spPr>
+          <a:xfrm>
+            <a:off x="838200" y="1770063"/>
+            <a:ext cx="5181600" cy="2046288"/>
+          </a:xfrm>
+        </p:spPr>
+        <p:txBody>
+          <a:bodyPr>
+            <a:normAutofit fontScale="85000" lnSpcReduction="20000"/>
+          </a:bodyPr>
           <a:lstStyle/>
           <a:p>
-            <a:endParaRPr lang="en-GB" dirty="0"/>
+            <a:pPr marL="0" indent="0">
+              <a:buNone/>
+            </a:pPr>
+            <a:r>
+              <a:rPr lang="en-US" sz="3100" dirty="0"/>
+              <a:t> 1</a:t>
+            </a:r>
+            <a:r>
+              <a:rPr lang="en-US" dirty="0"/>
+              <a:t>. What is Power BI?</a:t>
+            </a:r>
+          </a:p>
+          <a:p>
+            <a:r>
+              <a:rPr lang="en-US" sz="1900" dirty="0"/>
+              <a:t>Cloud‑based analytics and BI platform</a:t>
+            </a:r>
+          </a:p>
+          <a:p>
+            <a:r>
+              <a:rPr lang="en-US" sz="1900" dirty="0"/>
+              <a:t>Turns raw data into interactive dashboards and reports</a:t>
+            </a:r>
+          </a:p>
+          <a:p>
+            <a:r>
+              <a:rPr lang="en-US" sz="1900" dirty="0"/>
+              <a:t>Supports both self‑service and enterprise analytics</a:t>
+            </a:r>
+            <a:endParaRPr lang="en-GB" sz="1900" dirty="0"/>
+          </a:p>
+        </p:txBody>
+      </p:sp>
+      <p:sp>
+        <p:nvSpPr>
+          <p:cNvPr id="4" name="Content Placeholder 3">
+            <a:extLst>
+              <a:ext uri="{FF2B5EF4-FFF2-40B4-BE49-F238E27FC236}">
+                <a16:creationId xmlns:a16="http://schemas.microsoft.com/office/drawing/2014/main" id="{DB51782B-A1D5-441B-AD61-E06368E7B48E}"/>
+              </a:ext>
+            </a:extLst>
+          </p:cNvPr>
+          <p:cNvSpPr>
+            <a:spLocks noGrp="1"/>
+          </p:cNvSpPr>
+          <p:nvPr>
+            <p:ph sz="half" idx="2"/>
+          </p:nvPr>
+        </p:nvSpPr>
+        <p:spPr>
+          <a:xfrm>
+            <a:off x="6500813" y="1723232"/>
+            <a:ext cx="5181600" cy="1981995"/>
+          </a:xfrm>
+        </p:spPr>
+        <p:txBody>
+          <a:bodyPr>
+            <a:normAutofit fontScale="85000" lnSpcReduction="20000"/>
+          </a:bodyPr>
+          <a:lstStyle/>
+          <a:p>
+            <a:pPr marL="0" indent="0">
+              <a:buNone/>
+            </a:pPr>
+            <a:r>
+              <a:rPr lang="en-US" dirty="0"/>
+              <a:t>2. Key Capabilities </a:t>
+            </a:r>
+          </a:p>
+          <a:p>
+            <a:r>
+              <a:rPr lang="en-US" sz="1900" dirty="0"/>
+              <a:t>Connect to 100+ data sources</a:t>
+            </a:r>
+          </a:p>
+          <a:p>
+            <a:r>
+              <a:rPr lang="en-US" sz="1900" dirty="0"/>
+              <a:t>Clean and transform data with Power Query</a:t>
+            </a:r>
+          </a:p>
+          <a:p>
+            <a:r>
+              <a:rPr lang="en-US" sz="1900" dirty="0"/>
+              <a:t>Build semantic models using DAX</a:t>
+            </a:r>
+          </a:p>
+          <a:p>
+            <a:r>
+              <a:rPr lang="en-US" sz="1900" dirty="0"/>
+              <a:t>Rich </a:t>
+            </a:r>
+            <a:r>
+              <a:rPr lang="en-US" sz="1900" dirty="0" err="1"/>
+              <a:t>visualisations</a:t>
+            </a:r>
+            <a:r>
+              <a:rPr lang="en-US" sz="1900" dirty="0"/>
+              <a:t> and interactive reporting</a:t>
+            </a:r>
+          </a:p>
+          <a:p>
+            <a:r>
+              <a:rPr lang="en-US" sz="1900" dirty="0"/>
+              <a:t>AI‑powered insights and natural language Q&amp;A</a:t>
+            </a:r>
+            <a:endParaRPr lang="en-GB" sz="1900" dirty="0"/>
+          </a:p>
+        </p:txBody>
+      </p:sp>
+      <p:sp>
+        <p:nvSpPr>
+          <p:cNvPr id="5" name="Content Placeholder 2">
+            <a:extLst>
+              <a:ext uri="{FF2B5EF4-FFF2-40B4-BE49-F238E27FC236}">
+                <a16:creationId xmlns:a16="http://schemas.microsoft.com/office/drawing/2014/main" id="{C27CFCF0-ECA2-4C10-81ED-6A4F28AE3986}"/>
+              </a:ext>
+            </a:extLst>
+          </p:cNvPr>
+          <p:cNvSpPr txBox="1">
+            <a:spLocks/>
+          </p:cNvSpPr>
+          <p:nvPr/>
+        </p:nvSpPr>
+        <p:spPr>
+          <a:xfrm>
+            <a:off x="6500813" y="4044950"/>
+            <a:ext cx="5181600" cy="2046288"/>
+          </a:xfrm>
+          <a:prstGeom prst="rect">
+            <a:avLst/>
+          </a:prstGeom>
+        </p:spPr>
+        <p:txBody>
+          <a:bodyPr vert="horz" lIns="91440" tIns="45720" rIns="91440" bIns="45720" rtlCol="0">
+            <a:normAutofit fontScale="85000" lnSpcReduction="10000"/>
+          </a:bodyPr>
+          <a:lstStyle>
+            <a:lvl1pPr marL="228600" indent="-228600" algn="l" defTabSz="914400" rtl="0" eaLnBrk="1" latinLnBrk="0" hangingPunct="1">
+              <a:lnSpc>
+                <a:spcPct val="90000"/>
+              </a:lnSpc>
+              <a:spcBef>
+                <a:spcPts val="1000"/>
+              </a:spcBef>
+              <a:buFont typeface="Arial" panose="020B0604020202020204" pitchFamily="34" charset="0"/>
+              <a:buChar char="•"/>
+              <a:defRPr sz="2800" kern="1200">
+                <a:solidFill>
+                  <a:schemeClr val="tx1"/>
+                </a:solidFill>
+                <a:latin typeface="+mn-lt"/>
+                <a:ea typeface="+mn-ea"/>
+                <a:cs typeface="+mn-cs"/>
+              </a:defRPr>
+            </a:lvl1pPr>
+            <a:lvl2pPr marL="685800" indent="-228600" algn="l" defTabSz="914400" rtl="0" eaLnBrk="1" latinLnBrk="0" hangingPunct="1">
+              <a:lnSpc>
+                <a:spcPct val="90000"/>
+              </a:lnSpc>
+              <a:spcBef>
+                <a:spcPts val="500"/>
+              </a:spcBef>
+              <a:buFont typeface="Arial" panose="020B0604020202020204" pitchFamily="34" charset="0"/>
+              <a:buChar char="•"/>
+              <a:defRPr sz="2400" kern="1200">
+                <a:solidFill>
+                  <a:schemeClr val="tx1"/>
+                </a:solidFill>
+                <a:latin typeface="+mn-lt"/>
+                <a:ea typeface="+mn-ea"/>
+                <a:cs typeface="+mn-cs"/>
+              </a:defRPr>
+            </a:lvl2pPr>
+            <a:lvl3pPr marL="1143000" indent="-228600" algn="l" defTabSz="914400" rtl="0" eaLnBrk="1" latinLnBrk="0" hangingPunct="1">
+              <a:lnSpc>
+                <a:spcPct val="90000"/>
+              </a:lnSpc>
+              <a:spcBef>
+                <a:spcPts val="500"/>
+              </a:spcBef>
+              <a:buFont typeface="Arial" panose="020B0604020202020204" pitchFamily="34" charset="0"/>
+              <a:buChar char="•"/>
+              <a:defRPr sz="2000" kern="1200">
+                <a:solidFill>
+                  <a:schemeClr val="tx1"/>
+                </a:solidFill>
+                <a:latin typeface="+mn-lt"/>
+                <a:ea typeface="+mn-ea"/>
+                <a:cs typeface="+mn-cs"/>
+              </a:defRPr>
+            </a:lvl3pPr>
+            <a:lvl4pPr marL="1600200" indent="-228600" algn="l" defTabSz="914400" rtl="0" eaLnBrk="1" latinLnBrk="0" hangingPunct="1">
+              <a:lnSpc>
+                <a:spcPct val="90000"/>
+              </a:lnSpc>
+              <a:spcBef>
+                <a:spcPts val="500"/>
+              </a:spcBef>
+              <a:buFont typeface="Arial" panose="020B0604020202020204" pitchFamily="34" charset="0"/>
+              <a:buChar char="•"/>
+              <a:defRPr sz="1800" kern="1200">
+                <a:solidFill>
+                  <a:schemeClr val="tx1"/>
+                </a:solidFill>
+                <a:latin typeface="+mn-lt"/>
+                <a:ea typeface="+mn-ea"/>
+                <a:cs typeface="+mn-cs"/>
+              </a:defRPr>
+            </a:lvl4pPr>
+            <a:lvl5pPr marL="2057400" indent="-228600" algn="l" defTabSz="914400" rtl="0" eaLnBrk="1" latinLnBrk="0" hangingPunct="1">
+              <a:lnSpc>
+                <a:spcPct val="90000"/>
+              </a:lnSpc>
+              <a:spcBef>
+                <a:spcPts val="500"/>
+              </a:spcBef>
+              <a:buFont typeface="Arial" panose="020B0604020202020204" pitchFamily="34" charset="0"/>
+              <a:buChar char="•"/>
+              <a:defRPr sz="1800" kern="1200">
+                <a:solidFill>
+                  <a:schemeClr val="tx1"/>
+                </a:solidFill>
+                <a:latin typeface="+mn-lt"/>
+                <a:ea typeface="+mn-ea"/>
+                <a:cs typeface="+mn-cs"/>
+              </a:defRPr>
+            </a:lvl5pPr>
+            <a:lvl6pPr marL="2514600" indent="-228600" algn="l" defTabSz="914400" rtl="0" eaLnBrk="1" latinLnBrk="0" hangingPunct="1">
+              <a:lnSpc>
+                <a:spcPct val="90000"/>
+              </a:lnSpc>
+              <a:spcBef>
+                <a:spcPts val="500"/>
+              </a:spcBef>
+              <a:buFont typeface="Arial" panose="020B0604020202020204" pitchFamily="34" charset="0"/>
+              <a:buChar char="•"/>
+              <a:defRPr sz="1800" kern="1200">
+                <a:solidFill>
+                  <a:schemeClr val="tx1"/>
+                </a:solidFill>
+                <a:latin typeface="+mn-lt"/>
+                <a:ea typeface="+mn-ea"/>
+                <a:cs typeface="+mn-cs"/>
+              </a:defRPr>
+            </a:lvl6pPr>
+            <a:lvl7pPr marL="2971800" indent="-228600" algn="l" defTabSz="914400" rtl="0" eaLnBrk="1" latinLnBrk="0" hangingPunct="1">
+              <a:lnSpc>
+                <a:spcPct val="90000"/>
+              </a:lnSpc>
+              <a:spcBef>
+                <a:spcPts val="500"/>
+              </a:spcBef>
+              <a:buFont typeface="Arial" panose="020B0604020202020204" pitchFamily="34" charset="0"/>
+              <a:buChar char="•"/>
+              <a:defRPr sz="1800" kern="1200">
+                <a:solidFill>
+                  <a:schemeClr val="tx1"/>
+                </a:solidFill>
+                <a:latin typeface="+mn-lt"/>
+                <a:ea typeface="+mn-ea"/>
+                <a:cs typeface="+mn-cs"/>
+              </a:defRPr>
+            </a:lvl7pPr>
+            <a:lvl8pPr marL="3429000" indent="-228600" algn="l" defTabSz="914400" rtl="0" eaLnBrk="1" latinLnBrk="0" hangingPunct="1">
+              <a:lnSpc>
+                <a:spcPct val="90000"/>
+              </a:lnSpc>
+              <a:spcBef>
+                <a:spcPts val="500"/>
+              </a:spcBef>
+              <a:buFont typeface="Arial" panose="020B0604020202020204" pitchFamily="34" charset="0"/>
+              <a:buChar char="•"/>
+              <a:defRPr sz="1800" kern="1200">
+                <a:solidFill>
+                  <a:schemeClr val="tx1"/>
+                </a:solidFill>
+                <a:latin typeface="+mn-lt"/>
+                <a:ea typeface="+mn-ea"/>
+                <a:cs typeface="+mn-cs"/>
+              </a:defRPr>
+            </a:lvl8pPr>
+            <a:lvl9pPr marL="3886200" indent="-228600" algn="l" defTabSz="914400" rtl="0" eaLnBrk="1" latinLnBrk="0" hangingPunct="1">
+              <a:lnSpc>
+                <a:spcPct val="90000"/>
+              </a:lnSpc>
+              <a:spcBef>
+                <a:spcPts val="500"/>
+              </a:spcBef>
+              <a:buFont typeface="Arial" panose="020B0604020202020204" pitchFamily="34" charset="0"/>
+              <a:buChar char="•"/>
+              <a:defRPr sz="1800" kern="1200">
+                <a:solidFill>
+                  <a:schemeClr val="tx1"/>
+                </a:solidFill>
+                <a:latin typeface="+mn-lt"/>
+                <a:ea typeface="+mn-ea"/>
+                <a:cs typeface="+mn-cs"/>
+              </a:defRPr>
+            </a:lvl9pPr>
+          </a:lstStyle>
+          <a:p>
+            <a:pPr marL="0" indent="0">
+              <a:buFont typeface="Arial" panose="020B0604020202020204" pitchFamily="34" charset="0"/>
+              <a:buNone/>
+            </a:pPr>
+            <a:r>
+              <a:rPr lang="en-US" dirty="0"/>
+              <a:t>4. Why </a:t>
+            </a:r>
+            <a:r>
+              <a:rPr lang="en-US" dirty="0" err="1"/>
+              <a:t>Organisations</a:t>
+            </a:r>
+            <a:r>
+              <a:rPr lang="en-US" dirty="0"/>
+              <a:t> Choose Power BI </a:t>
+            </a:r>
+          </a:p>
+          <a:p>
+            <a:r>
+              <a:rPr lang="en-US" sz="1900" dirty="0"/>
+              <a:t> Cost‑effective licensing</a:t>
+            </a:r>
+          </a:p>
+          <a:p>
+            <a:r>
+              <a:rPr lang="en-US" sz="1900" dirty="0"/>
+              <a:t> Easy for beginners, powerful for analysts</a:t>
+            </a:r>
+          </a:p>
+          <a:p>
+            <a:r>
+              <a:rPr lang="en-US" sz="1900" dirty="0"/>
+              <a:t> Deep integration with Microsoft 365 &amp; Azure</a:t>
+            </a:r>
+          </a:p>
+          <a:p>
+            <a:r>
+              <a:rPr lang="en-US" sz="1900" dirty="0"/>
+              <a:t> Scales from small teams to global enterprises</a:t>
+            </a:r>
+          </a:p>
+          <a:p>
+            <a:r>
+              <a:rPr lang="en-US" sz="1900" dirty="0"/>
+              <a:t> Continuous monthly updates</a:t>
+            </a:r>
+          </a:p>
+        </p:txBody>
+      </p:sp>
+      <p:sp>
+        <p:nvSpPr>
+          <p:cNvPr id="6" name="Content Placeholder 2">
+            <a:extLst>
+              <a:ext uri="{FF2B5EF4-FFF2-40B4-BE49-F238E27FC236}">
+                <a16:creationId xmlns:a16="http://schemas.microsoft.com/office/drawing/2014/main" id="{723B5066-B7A6-4427-A0A6-8634EA859407}"/>
+              </a:ext>
+            </a:extLst>
+          </p:cNvPr>
+          <p:cNvSpPr txBox="1">
+            <a:spLocks/>
+          </p:cNvSpPr>
+          <p:nvPr/>
+        </p:nvSpPr>
+        <p:spPr>
+          <a:xfrm>
+            <a:off x="838200" y="4044950"/>
+            <a:ext cx="5181600" cy="2046288"/>
+          </a:xfrm>
+          <a:prstGeom prst="rect">
+            <a:avLst/>
+          </a:prstGeom>
+        </p:spPr>
+        <p:txBody>
+          <a:bodyPr vert="horz" lIns="91440" tIns="45720" rIns="91440" bIns="45720" rtlCol="0">
+            <a:normAutofit fontScale="92500" lnSpcReduction="10000"/>
+          </a:bodyPr>
+          <a:lstStyle>
+            <a:lvl1pPr marL="228600" indent="-228600" algn="l" defTabSz="914400" rtl="0" eaLnBrk="1" latinLnBrk="0" hangingPunct="1">
+              <a:lnSpc>
+                <a:spcPct val="90000"/>
+              </a:lnSpc>
+              <a:spcBef>
+                <a:spcPts val="1000"/>
+              </a:spcBef>
+              <a:buFont typeface="Arial" panose="020B0604020202020204" pitchFamily="34" charset="0"/>
+              <a:buChar char="•"/>
+              <a:defRPr sz="2800" kern="1200">
+                <a:solidFill>
+                  <a:schemeClr val="tx1"/>
+                </a:solidFill>
+                <a:latin typeface="+mn-lt"/>
+                <a:ea typeface="+mn-ea"/>
+                <a:cs typeface="+mn-cs"/>
+              </a:defRPr>
+            </a:lvl1pPr>
+            <a:lvl2pPr marL="685800" indent="-228600" algn="l" defTabSz="914400" rtl="0" eaLnBrk="1" latinLnBrk="0" hangingPunct="1">
+              <a:lnSpc>
+                <a:spcPct val="90000"/>
+              </a:lnSpc>
+              <a:spcBef>
+                <a:spcPts val="500"/>
+              </a:spcBef>
+              <a:buFont typeface="Arial" panose="020B0604020202020204" pitchFamily="34" charset="0"/>
+              <a:buChar char="•"/>
+              <a:defRPr sz="2400" kern="1200">
+                <a:solidFill>
+                  <a:schemeClr val="tx1"/>
+                </a:solidFill>
+                <a:latin typeface="+mn-lt"/>
+                <a:ea typeface="+mn-ea"/>
+                <a:cs typeface="+mn-cs"/>
+              </a:defRPr>
+            </a:lvl2pPr>
+            <a:lvl3pPr marL="1143000" indent="-228600" algn="l" defTabSz="914400" rtl="0" eaLnBrk="1" latinLnBrk="0" hangingPunct="1">
+              <a:lnSpc>
+                <a:spcPct val="90000"/>
+              </a:lnSpc>
+              <a:spcBef>
+                <a:spcPts val="500"/>
+              </a:spcBef>
+              <a:buFont typeface="Arial" panose="020B0604020202020204" pitchFamily="34" charset="0"/>
+              <a:buChar char="•"/>
+              <a:defRPr sz="2000" kern="1200">
+                <a:solidFill>
+                  <a:schemeClr val="tx1"/>
+                </a:solidFill>
+                <a:latin typeface="+mn-lt"/>
+                <a:ea typeface="+mn-ea"/>
+                <a:cs typeface="+mn-cs"/>
+              </a:defRPr>
+            </a:lvl3pPr>
+            <a:lvl4pPr marL="1600200" indent="-228600" algn="l" defTabSz="914400" rtl="0" eaLnBrk="1" latinLnBrk="0" hangingPunct="1">
+              <a:lnSpc>
+                <a:spcPct val="90000"/>
+              </a:lnSpc>
+              <a:spcBef>
+                <a:spcPts val="500"/>
+              </a:spcBef>
+              <a:buFont typeface="Arial" panose="020B0604020202020204" pitchFamily="34" charset="0"/>
+              <a:buChar char="•"/>
+              <a:defRPr sz="1800" kern="1200">
+                <a:solidFill>
+                  <a:schemeClr val="tx1"/>
+                </a:solidFill>
+                <a:latin typeface="+mn-lt"/>
+                <a:ea typeface="+mn-ea"/>
+                <a:cs typeface="+mn-cs"/>
+              </a:defRPr>
+            </a:lvl4pPr>
+            <a:lvl5pPr marL="2057400" indent="-228600" algn="l" defTabSz="914400" rtl="0" eaLnBrk="1" latinLnBrk="0" hangingPunct="1">
+              <a:lnSpc>
+                <a:spcPct val="90000"/>
+              </a:lnSpc>
+              <a:spcBef>
+                <a:spcPts val="500"/>
+              </a:spcBef>
+              <a:buFont typeface="Arial" panose="020B0604020202020204" pitchFamily="34" charset="0"/>
+              <a:buChar char="•"/>
+              <a:defRPr sz="1800" kern="1200">
+                <a:solidFill>
+                  <a:schemeClr val="tx1"/>
+                </a:solidFill>
+                <a:latin typeface="+mn-lt"/>
+                <a:ea typeface="+mn-ea"/>
+                <a:cs typeface="+mn-cs"/>
+              </a:defRPr>
+            </a:lvl5pPr>
+            <a:lvl6pPr marL="2514600" indent="-228600" algn="l" defTabSz="914400" rtl="0" eaLnBrk="1" latinLnBrk="0" hangingPunct="1">
+              <a:lnSpc>
+                <a:spcPct val="90000"/>
+              </a:lnSpc>
+              <a:spcBef>
+                <a:spcPts val="500"/>
+              </a:spcBef>
+              <a:buFont typeface="Arial" panose="020B0604020202020204" pitchFamily="34" charset="0"/>
+              <a:buChar char="•"/>
+              <a:defRPr sz="1800" kern="1200">
+                <a:solidFill>
+                  <a:schemeClr val="tx1"/>
+                </a:solidFill>
+                <a:latin typeface="+mn-lt"/>
+                <a:ea typeface="+mn-ea"/>
+                <a:cs typeface="+mn-cs"/>
+              </a:defRPr>
+            </a:lvl6pPr>
+            <a:lvl7pPr marL="2971800" indent="-228600" algn="l" defTabSz="914400" rtl="0" eaLnBrk="1" latinLnBrk="0" hangingPunct="1">
+              <a:lnSpc>
+                <a:spcPct val="90000"/>
+              </a:lnSpc>
+              <a:spcBef>
+                <a:spcPts val="500"/>
+              </a:spcBef>
+              <a:buFont typeface="Arial" panose="020B0604020202020204" pitchFamily="34" charset="0"/>
+              <a:buChar char="•"/>
+              <a:defRPr sz="1800" kern="1200">
+                <a:solidFill>
+                  <a:schemeClr val="tx1"/>
+                </a:solidFill>
+                <a:latin typeface="+mn-lt"/>
+                <a:ea typeface="+mn-ea"/>
+                <a:cs typeface="+mn-cs"/>
+              </a:defRPr>
+            </a:lvl7pPr>
+            <a:lvl8pPr marL="3429000" indent="-228600" algn="l" defTabSz="914400" rtl="0" eaLnBrk="1" latinLnBrk="0" hangingPunct="1">
+              <a:lnSpc>
+                <a:spcPct val="90000"/>
+              </a:lnSpc>
+              <a:spcBef>
+                <a:spcPts val="500"/>
+              </a:spcBef>
+              <a:buFont typeface="Arial" panose="020B0604020202020204" pitchFamily="34" charset="0"/>
+              <a:buChar char="•"/>
+              <a:defRPr sz="1800" kern="1200">
+                <a:solidFill>
+                  <a:schemeClr val="tx1"/>
+                </a:solidFill>
+                <a:latin typeface="+mn-lt"/>
+                <a:ea typeface="+mn-ea"/>
+                <a:cs typeface="+mn-cs"/>
+              </a:defRPr>
+            </a:lvl8pPr>
+            <a:lvl9pPr marL="3886200" indent="-228600" algn="l" defTabSz="914400" rtl="0" eaLnBrk="1" latinLnBrk="0" hangingPunct="1">
+              <a:lnSpc>
+                <a:spcPct val="90000"/>
+              </a:lnSpc>
+              <a:spcBef>
+                <a:spcPts val="500"/>
+              </a:spcBef>
+              <a:buFont typeface="Arial" panose="020B0604020202020204" pitchFamily="34" charset="0"/>
+              <a:buChar char="•"/>
+              <a:defRPr sz="1800" kern="1200">
+                <a:solidFill>
+                  <a:schemeClr val="tx1"/>
+                </a:solidFill>
+                <a:latin typeface="+mn-lt"/>
+                <a:ea typeface="+mn-ea"/>
+                <a:cs typeface="+mn-cs"/>
+              </a:defRPr>
+            </a:lvl9pPr>
+          </a:lstStyle>
+          <a:p>
+            <a:pPr marL="0" indent="0">
+              <a:buFont typeface="Arial" panose="020B0604020202020204" pitchFamily="34" charset="0"/>
+              <a:buNone/>
+            </a:pPr>
+            <a:r>
+              <a:rPr lang="en-US" dirty="0"/>
+              <a:t>3. </a:t>
+            </a:r>
+            <a:r>
+              <a:rPr lang="en-US" sz="2600" dirty="0"/>
+              <a:t>Core Components </a:t>
+            </a:r>
+          </a:p>
+          <a:p>
+            <a:r>
+              <a:rPr lang="en-US" sz="1700" dirty="0"/>
+              <a:t> Power BI Desktop – report creation</a:t>
+            </a:r>
+          </a:p>
+          <a:p>
+            <a:r>
+              <a:rPr lang="en-US" sz="1700" dirty="0"/>
+              <a:t> Power BI Service – sharing &amp; governance</a:t>
+            </a:r>
+          </a:p>
+          <a:p>
+            <a:r>
+              <a:rPr lang="en-US" sz="1700" dirty="0"/>
+              <a:t> Power BI Mobile – on‑the‑go access</a:t>
+            </a:r>
+          </a:p>
+          <a:p>
+            <a:r>
+              <a:rPr lang="en-US" sz="1700" dirty="0"/>
+              <a:t> Gateway – on‑premises connectivity</a:t>
+            </a:r>
+          </a:p>
+          <a:p>
+            <a:r>
+              <a:rPr lang="en-US" sz="1700" dirty="0"/>
+              <a:t> Fabric Integration – unified analytics platform</a:t>
+            </a:r>
           </a:p>
         </p:txBody>
       </p:sp>
     </p:spTree>
     <p:extLst>
       <p:ext uri="{BB962C8B-B14F-4D97-AF65-F5344CB8AC3E}">
-        <p14:creationId xmlns:p14="http://schemas.microsoft.com/office/powerpoint/2010/main" val="2013108956"/>
+        <p14:creationId xmlns:p14="http://schemas.microsoft.com/office/powerpoint/2010/main" val="764828162"/>
       </p:ext>
     </p:extLst>
   </p:cSld>
@@ -3679,14 +4752,55 @@
             </a:br>
             <a:r>
               <a:rPr lang="en-GB" sz="900" dirty="0"/>
-              <a:t>Beginners often struggle with relationships, star schemas, and DAX </a:t>
-            </a:r>
-            <a:r>
-              <a:rPr lang="en-GB" sz="900"/>
-              <a:t>functions.</a:t>
-            </a:r>
-          </a:p>
-          <a:p>
+              <a:t>Beginners often struggle with relationships, star schemas, and DAX functions.</a:t>
+            </a:r>
+          </a:p>
+          <a:p>
+            <a:r>
+              <a:rPr lang="en-GB" sz="1200" dirty="0"/>
+              <a:t>Performance issues with very large datasets</a:t>
+            </a:r>
+            <a:br>
+              <a:rPr lang="en-GB" sz="1200" dirty="0"/>
+            </a:br>
+            <a:r>
+              <a:rPr lang="en-GB" sz="900" dirty="0"/>
+              <a:t>Import mode can hit memory limits; </a:t>
+            </a:r>
+            <a:r>
+              <a:rPr lang="en-GB" sz="900" dirty="0" err="1"/>
+              <a:t>DirectQuery</a:t>
+            </a:r>
+            <a:r>
+              <a:rPr lang="en-GB" sz="900" dirty="0"/>
+              <a:t> can be slow depending on the source</a:t>
+            </a:r>
+          </a:p>
+          <a:p>
+            <a:r>
+              <a:rPr lang="en-GB" sz="1200" dirty="0"/>
+              <a:t>Limited advanced customisation vs. Tableau</a:t>
+            </a:r>
+            <a:br>
+              <a:rPr lang="en-GB" sz="900" dirty="0"/>
+            </a:br>
+            <a:r>
+              <a:rPr lang="en-GB" sz="900" dirty="0"/>
+              <a:t>Visuals are powerful but sometimes less flexible for highly bespoke dashboards</a:t>
+            </a:r>
+          </a:p>
+          <a:p>
+            <a:r>
+              <a:rPr lang="en-GB" sz="1200" dirty="0"/>
+              <a:t>Complex governance at scale</a:t>
+            </a:r>
+            <a:br>
+              <a:rPr lang="en-GB" sz="1200" dirty="0"/>
+            </a:br>
+            <a:r>
+              <a:rPr lang="en-GB" sz="900" dirty="0"/>
+              <a:t>Managing workspaces, permission, and deployment pipelines can get messy without strong governance.</a:t>
+            </a:r>
             <a:endParaRPr lang="en-GB" sz="1200" dirty="0"/>
           </a:p>
         </p:txBody>
@@ -3995,6 +5109,1100 @@
     <p:extLst>
       <p:ext uri="{BB962C8B-B14F-4D97-AF65-F5344CB8AC3E}">
         <p14:creationId xmlns:p14="http://schemas.microsoft.com/office/powerpoint/2010/main" val="2589520968"/>
+      </p:ext>
+    </p:extLst>
+  </p:cSld>
+  <p:clrMapOvr>
+    <a:masterClrMapping/>
+  </p:clrMapOvr>
+</p:sld>
+</file>
+
+<file path=ppt/slides/slide4.xml><?xml version="1.0" encoding="utf-8"?>
+<p:sld xmlns:a="http://schemas.openxmlformats.org/drawingml/2006/main" xmlns:r="http://schemas.openxmlformats.org/officeDocument/2006/relationships" xmlns:p="http://schemas.openxmlformats.org/presentationml/2006/main">
+  <p:cSld>
+    <p:spTree>
+      <p:nvGrpSpPr>
+        <p:cNvPr id="1" name=""/>
+        <p:cNvGrpSpPr/>
+        <p:nvPr/>
+      </p:nvGrpSpPr>
+      <p:grpSpPr>
+        <a:xfrm>
+          <a:off x="0" y="0"/>
+          <a:ext cx="0" cy="0"/>
+          <a:chOff x="0" y="0"/>
+          <a:chExt cx="0" cy="0"/>
+        </a:xfrm>
+      </p:grpSpPr>
+      <p:sp>
+        <p:nvSpPr>
+          <p:cNvPr id="2" name="Title 1">
+            <a:extLst>
+              <a:ext uri="{FF2B5EF4-FFF2-40B4-BE49-F238E27FC236}">
+                <a16:creationId xmlns:a16="http://schemas.microsoft.com/office/drawing/2014/main" id="{D379FB1A-F22D-4C3D-98FC-DA7D26363B6A}"/>
+              </a:ext>
+            </a:extLst>
+          </p:cNvPr>
+          <p:cNvSpPr>
+            <a:spLocks noGrp="1"/>
+          </p:cNvSpPr>
+          <p:nvPr>
+            <p:ph type="title"/>
+          </p:nvPr>
+        </p:nvSpPr>
+        <p:spPr/>
+        <p:txBody>
+          <a:bodyPr/>
+          <a:lstStyle/>
+          <a:p>
+            <a:r>
+              <a:rPr lang="en-US" dirty="0"/>
+              <a:t>SWOT Analysis</a:t>
+            </a:r>
+            <a:endParaRPr lang="en-GB" dirty="0"/>
+          </a:p>
+        </p:txBody>
+      </p:sp>
+      <p:sp>
+        <p:nvSpPr>
+          <p:cNvPr id="4" name="Content Placeholder 2">
+            <a:extLst>
+              <a:ext uri="{FF2B5EF4-FFF2-40B4-BE49-F238E27FC236}">
+                <a16:creationId xmlns:a16="http://schemas.microsoft.com/office/drawing/2014/main" id="{39BBB726-11F9-4481-A404-93AA7CDF14F0}"/>
+              </a:ext>
+            </a:extLst>
+          </p:cNvPr>
+          <p:cNvSpPr txBox="1">
+            <a:spLocks/>
+          </p:cNvSpPr>
+          <p:nvPr/>
+        </p:nvSpPr>
+        <p:spPr>
+          <a:xfrm>
+            <a:off x="941116" y="1856045"/>
+            <a:ext cx="4337465" cy="4378500"/>
+          </a:xfrm>
+          <a:prstGeom prst="rect">
+            <a:avLst/>
+          </a:prstGeom>
+        </p:spPr>
+        <p:txBody>
+          <a:bodyPr vert="horz" lIns="91440" tIns="45720" rIns="91440" bIns="45720" rtlCol="0">
+            <a:normAutofit/>
+          </a:bodyPr>
+          <a:lstStyle>
+            <a:lvl1pPr marL="228600" indent="-228600" algn="l" defTabSz="914400" rtl="0" eaLnBrk="1" latinLnBrk="0" hangingPunct="1">
+              <a:lnSpc>
+                <a:spcPct val="90000"/>
+              </a:lnSpc>
+              <a:spcBef>
+                <a:spcPts val="1000"/>
+              </a:spcBef>
+              <a:buFont typeface="Arial" panose="020B0604020202020204" pitchFamily="34" charset="0"/>
+              <a:buChar char="•"/>
+              <a:defRPr sz="2800" kern="1200">
+                <a:solidFill>
+                  <a:schemeClr val="tx1"/>
+                </a:solidFill>
+                <a:latin typeface="+mn-lt"/>
+                <a:ea typeface="+mn-ea"/>
+                <a:cs typeface="+mn-cs"/>
+              </a:defRPr>
+            </a:lvl1pPr>
+            <a:lvl2pPr marL="685800" indent="-228600" algn="l" defTabSz="914400" rtl="0" eaLnBrk="1" latinLnBrk="0" hangingPunct="1">
+              <a:lnSpc>
+                <a:spcPct val="90000"/>
+              </a:lnSpc>
+              <a:spcBef>
+                <a:spcPts val="500"/>
+              </a:spcBef>
+              <a:buFont typeface="Arial" panose="020B0604020202020204" pitchFamily="34" charset="0"/>
+              <a:buChar char="•"/>
+              <a:defRPr sz="2400" kern="1200">
+                <a:solidFill>
+                  <a:schemeClr val="tx1"/>
+                </a:solidFill>
+                <a:latin typeface="+mn-lt"/>
+                <a:ea typeface="+mn-ea"/>
+                <a:cs typeface="+mn-cs"/>
+              </a:defRPr>
+            </a:lvl2pPr>
+            <a:lvl3pPr marL="1143000" indent="-228600" algn="l" defTabSz="914400" rtl="0" eaLnBrk="1" latinLnBrk="0" hangingPunct="1">
+              <a:lnSpc>
+                <a:spcPct val="90000"/>
+              </a:lnSpc>
+              <a:spcBef>
+                <a:spcPts val="500"/>
+              </a:spcBef>
+              <a:buFont typeface="Arial" panose="020B0604020202020204" pitchFamily="34" charset="0"/>
+              <a:buChar char="•"/>
+              <a:defRPr sz="2000" kern="1200">
+                <a:solidFill>
+                  <a:schemeClr val="tx1"/>
+                </a:solidFill>
+                <a:latin typeface="+mn-lt"/>
+                <a:ea typeface="+mn-ea"/>
+                <a:cs typeface="+mn-cs"/>
+              </a:defRPr>
+            </a:lvl3pPr>
+            <a:lvl4pPr marL="1600200" indent="-228600" algn="l" defTabSz="914400" rtl="0" eaLnBrk="1" latinLnBrk="0" hangingPunct="1">
+              <a:lnSpc>
+                <a:spcPct val="90000"/>
+              </a:lnSpc>
+              <a:spcBef>
+                <a:spcPts val="500"/>
+              </a:spcBef>
+              <a:buFont typeface="Arial" panose="020B0604020202020204" pitchFamily="34" charset="0"/>
+              <a:buChar char="•"/>
+              <a:defRPr sz="1800" kern="1200">
+                <a:solidFill>
+                  <a:schemeClr val="tx1"/>
+                </a:solidFill>
+                <a:latin typeface="+mn-lt"/>
+                <a:ea typeface="+mn-ea"/>
+                <a:cs typeface="+mn-cs"/>
+              </a:defRPr>
+            </a:lvl4pPr>
+            <a:lvl5pPr marL="2057400" indent="-228600" algn="l" defTabSz="914400" rtl="0" eaLnBrk="1" latinLnBrk="0" hangingPunct="1">
+              <a:lnSpc>
+                <a:spcPct val="90000"/>
+              </a:lnSpc>
+              <a:spcBef>
+                <a:spcPts val="500"/>
+              </a:spcBef>
+              <a:buFont typeface="Arial" panose="020B0604020202020204" pitchFamily="34" charset="0"/>
+              <a:buChar char="•"/>
+              <a:defRPr sz="1800" kern="1200">
+                <a:solidFill>
+                  <a:schemeClr val="tx1"/>
+                </a:solidFill>
+                <a:latin typeface="+mn-lt"/>
+                <a:ea typeface="+mn-ea"/>
+                <a:cs typeface="+mn-cs"/>
+              </a:defRPr>
+            </a:lvl5pPr>
+            <a:lvl6pPr marL="2514600" indent="-228600" algn="l" defTabSz="914400" rtl="0" eaLnBrk="1" latinLnBrk="0" hangingPunct="1">
+              <a:lnSpc>
+                <a:spcPct val="90000"/>
+              </a:lnSpc>
+              <a:spcBef>
+                <a:spcPts val="500"/>
+              </a:spcBef>
+              <a:buFont typeface="Arial" panose="020B0604020202020204" pitchFamily="34" charset="0"/>
+              <a:buChar char="•"/>
+              <a:defRPr sz="1800" kern="1200">
+                <a:solidFill>
+                  <a:schemeClr val="tx1"/>
+                </a:solidFill>
+                <a:latin typeface="+mn-lt"/>
+                <a:ea typeface="+mn-ea"/>
+                <a:cs typeface="+mn-cs"/>
+              </a:defRPr>
+            </a:lvl6pPr>
+            <a:lvl7pPr marL="2971800" indent="-228600" algn="l" defTabSz="914400" rtl="0" eaLnBrk="1" latinLnBrk="0" hangingPunct="1">
+              <a:lnSpc>
+                <a:spcPct val="90000"/>
+              </a:lnSpc>
+              <a:spcBef>
+                <a:spcPts val="500"/>
+              </a:spcBef>
+              <a:buFont typeface="Arial" panose="020B0604020202020204" pitchFamily="34" charset="0"/>
+              <a:buChar char="•"/>
+              <a:defRPr sz="1800" kern="1200">
+                <a:solidFill>
+                  <a:schemeClr val="tx1"/>
+                </a:solidFill>
+                <a:latin typeface="+mn-lt"/>
+                <a:ea typeface="+mn-ea"/>
+                <a:cs typeface="+mn-cs"/>
+              </a:defRPr>
+            </a:lvl7pPr>
+            <a:lvl8pPr marL="3429000" indent="-228600" algn="l" defTabSz="914400" rtl="0" eaLnBrk="1" latinLnBrk="0" hangingPunct="1">
+              <a:lnSpc>
+                <a:spcPct val="90000"/>
+              </a:lnSpc>
+              <a:spcBef>
+                <a:spcPts val="500"/>
+              </a:spcBef>
+              <a:buFont typeface="Arial" panose="020B0604020202020204" pitchFamily="34" charset="0"/>
+              <a:buChar char="•"/>
+              <a:defRPr sz="1800" kern="1200">
+                <a:solidFill>
+                  <a:schemeClr val="tx1"/>
+                </a:solidFill>
+                <a:latin typeface="+mn-lt"/>
+                <a:ea typeface="+mn-ea"/>
+                <a:cs typeface="+mn-cs"/>
+              </a:defRPr>
+            </a:lvl8pPr>
+            <a:lvl9pPr marL="3886200" indent="-228600" algn="l" defTabSz="914400" rtl="0" eaLnBrk="1" latinLnBrk="0" hangingPunct="1">
+              <a:lnSpc>
+                <a:spcPct val="90000"/>
+              </a:lnSpc>
+              <a:spcBef>
+                <a:spcPts val="500"/>
+              </a:spcBef>
+              <a:buFont typeface="Arial" panose="020B0604020202020204" pitchFamily="34" charset="0"/>
+              <a:buChar char="•"/>
+              <a:defRPr sz="1800" kern="1200">
+                <a:solidFill>
+                  <a:schemeClr val="tx1"/>
+                </a:solidFill>
+                <a:latin typeface="+mn-lt"/>
+                <a:ea typeface="+mn-ea"/>
+                <a:cs typeface="+mn-cs"/>
+              </a:defRPr>
+            </a:lvl9pPr>
+          </a:lstStyle>
+          <a:p>
+            <a:pPr marL="0" indent="0">
+              <a:buNone/>
+            </a:pPr>
+            <a:r>
+              <a:rPr lang="en-US" dirty="0"/>
+              <a:t>Opportunities</a:t>
+            </a:r>
+            <a:br>
+              <a:rPr lang="en-US" dirty="0"/>
+            </a:br>
+            <a:endParaRPr lang="en-US" sz="1200" dirty="0"/>
+          </a:p>
+          <a:p>
+            <a:r>
+              <a:rPr lang="en-US" sz="1200" dirty="0"/>
+              <a:t>Growing demand for self-service BI</a:t>
+            </a:r>
+            <a:br>
+              <a:rPr lang="en-US" sz="1200" dirty="0"/>
+            </a:br>
+            <a:r>
+              <a:rPr lang="en-US" sz="900" dirty="0" err="1"/>
+              <a:t>Organisations</a:t>
+            </a:r>
+            <a:r>
+              <a:rPr lang="en-US" sz="900" dirty="0"/>
+              <a:t> want non-technical users to build dashboards – Power BI fits perfectly</a:t>
+            </a:r>
+          </a:p>
+          <a:p>
+            <a:r>
+              <a:rPr lang="en-US" sz="1200" dirty="0"/>
+              <a:t>Expansion into AI &amp; Copilot integration</a:t>
+            </a:r>
+            <a:br>
+              <a:rPr lang="en-US" sz="900" dirty="0"/>
+            </a:br>
+            <a:r>
+              <a:rPr lang="en-US" sz="900" dirty="0"/>
+              <a:t>Microsoft is embedding more generative AI into Power BI, making insights easier to produce.</a:t>
+            </a:r>
+          </a:p>
+          <a:p>
+            <a:r>
+              <a:rPr lang="en-US" sz="1200" dirty="0"/>
+              <a:t>Enterprise adoption via Fabric</a:t>
+            </a:r>
+            <a:br>
+              <a:rPr lang="en-US" sz="900" dirty="0"/>
+            </a:br>
+            <a:r>
+              <a:rPr lang="en-US" sz="900" dirty="0"/>
+              <a:t>Power BI is now part of Microsoft Fabric, opening opportunities for unified data engineering.</a:t>
+            </a:r>
+          </a:p>
+          <a:p>
+            <a:r>
+              <a:rPr lang="en-US" sz="1200" dirty="0"/>
+              <a:t>Increasing cloud migration</a:t>
+            </a:r>
+            <a:br>
+              <a:rPr lang="en-US" sz="900" dirty="0"/>
+            </a:br>
+            <a:r>
+              <a:rPr lang="en-US" sz="900" dirty="0"/>
+              <a:t>As companies move to Azure, Power BI becomes the natural analytics layer.</a:t>
+            </a:r>
+          </a:p>
+        </p:txBody>
+      </p:sp>
+      <p:sp>
+        <p:nvSpPr>
+          <p:cNvPr id="5" name="Content Placeholder 2">
+            <a:extLst>
+              <a:ext uri="{FF2B5EF4-FFF2-40B4-BE49-F238E27FC236}">
+                <a16:creationId xmlns:a16="http://schemas.microsoft.com/office/drawing/2014/main" id="{26B6597E-F15C-461A-A2B8-D0F0113CB342}"/>
+              </a:ext>
+            </a:extLst>
+          </p:cNvPr>
+          <p:cNvSpPr txBox="1">
+            <a:spLocks/>
+          </p:cNvSpPr>
+          <p:nvPr/>
+        </p:nvSpPr>
+        <p:spPr>
+          <a:xfrm>
+            <a:off x="6686794" y="1856045"/>
+            <a:ext cx="4337465" cy="4378500"/>
+          </a:xfrm>
+          <a:prstGeom prst="rect">
+            <a:avLst/>
+          </a:prstGeom>
+        </p:spPr>
+        <p:txBody>
+          <a:bodyPr vert="horz" lIns="91440" tIns="45720" rIns="91440" bIns="45720" rtlCol="0">
+            <a:normAutofit/>
+          </a:bodyPr>
+          <a:lstStyle>
+            <a:lvl1pPr marL="228600" indent="-228600" algn="l" defTabSz="914400" rtl="0" eaLnBrk="1" latinLnBrk="0" hangingPunct="1">
+              <a:lnSpc>
+                <a:spcPct val="90000"/>
+              </a:lnSpc>
+              <a:spcBef>
+                <a:spcPts val="1000"/>
+              </a:spcBef>
+              <a:buFont typeface="Arial" panose="020B0604020202020204" pitchFamily="34" charset="0"/>
+              <a:buChar char="•"/>
+              <a:defRPr sz="2800" kern="1200">
+                <a:solidFill>
+                  <a:schemeClr val="tx1"/>
+                </a:solidFill>
+                <a:latin typeface="+mn-lt"/>
+                <a:ea typeface="+mn-ea"/>
+                <a:cs typeface="+mn-cs"/>
+              </a:defRPr>
+            </a:lvl1pPr>
+            <a:lvl2pPr marL="685800" indent="-228600" algn="l" defTabSz="914400" rtl="0" eaLnBrk="1" latinLnBrk="0" hangingPunct="1">
+              <a:lnSpc>
+                <a:spcPct val="90000"/>
+              </a:lnSpc>
+              <a:spcBef>
+                <a:spcPts val="500"/>
+              </a:spcBef>
+              <a:buFont typeface="Arial" panose="020B0604020202020204" pitchFamily="34" charset="0"/>
+              <a:buChar char="•"/>
+              <a:defRPr sz="2400" kern="1200">
+                <a:solidFill>
+                  <a:schemeClr val="tx1"/>
+                </a:solidFill>
+                <a:latin typeface="+mn-lt"/>
+                <a:ea typeface="+mn-ea"/>
+                <a:cs typeface="+mn-cs"/>
+              </a:defRPr>
+            </a:lvl2pPr>
+            <a:lvl3pPr marL="1143000" indent="-228600" algn="l" defTabSz="914400" rtl="0" eaLnBrk="1" latinLnBrk="0" hangingPunct="1">
+              <a:lnSpc>
+                <a:spcPct val="90000"/>
+              </a:lnSpc>
+              <a:spcBef>
+                <a:spcPts val="500"/>
+              </a:spcBef>
+              <a:buFont typeface="Arial" panose="020B0604020202020204" pitchFamily="34" charset="0"/>
+              <a:buChar char="•"/>
+              <a:defRPr sz="2000" kern="1200">
+                <a:solidFill>
+                  <a:schemeClr val="tx1"/>
+                </a:solidFill>
+                <a:latin typeface="+mn-lt"/>
+                <a:ea typeface="+mn-ea"/>
+                <a:cs typeface="+mn-cs"/>
+              </a:defRPr>
+            </a:lvl3pPr>
+            <a:lvl4pPr marL="1600200" indent="-228600" algn="l" defTabSz="914400" rtl="0" eaLnBrk="1" latinLnBrk="0" hangingPunct="1">
+              <a:lnSpc>
+                <a:spcPct val="90000"/>
+              </a:lnSpc>
+              <a:spcBef>
+                <a:spcPts val="500"/>
+              </a:spcBef>
+              <a:buFont typeface="Arial" panose="020B0604020202020204" pitchFamily="34" charset="0"/>
+              <a:buChar char="•"/>
+              <a:defRPr sz="1800" kern="1200">
+                <a:solidFill>
+                  <a:schemeClr val="tx1"/>
+                </a:solidFill>
+                <a:latin typeface="+mn-lt"/>
+                <a:ea typeface="+mn-ea"/>
+                <a:cs typeface="+mn-cs"/>
+              </a:defRPr>
+            </a:lvl4pPr>
+            <a:lvl5pPr marL="2057400" indent="-228600" algn="l" defTabSz="914400" rtl="0" eaLnBrk="1" latinLnBrk="0" hangingPunct="1">
+              <a:lnSpc>
+                <a:spcPct val="90000"/>
+              </a:lnSpc>
+              <a:spcBef>
+                <a:spcPts val="500"/>
+              </a:spcBef>
+              <a:buFont typeface="Arial" panose="020B0604020202020204" pitchFamily="34" charset="0"/>
+              <a:buChar char="•"/>
+              <a:defRPr sz="1800" kern="1200">
+                <a:solidFill>
+                  <a:schemeClr val="tx1"/>
+                </a:solidFill>
+                <a:latin typeface="+mn-lt"/>
+                <a:ea typeface="+mn-ea"/>
+                <a:cs typeface="+mn-cs"/>
+              </a:defRPr>
+            </a:lvl5pPr>
+            <a:lvl6pPr marL="2514600" indent="-228600" algn="l" defTabSz="914400" rtl="0" eaLnBrk="1" latinLnBrk="0" hangingPunct="1">
+              <a:lnSpc>
+                <a:spcPct val="90000"/>
+              </a:lnSpc>
+              <a:spcBef>
+                <a:spcPts val="500"/>
+              </a:spcBef>
+              <a:buFont typeface="Arial" panose="020B0604020202020204" pitchFamily="34" charset="0"/>
+              <a:buChar char="•"/>
+              <a:defRPr sz="1800" kern="1200">
+                <a:solidFill>
+                  <a:schemeClr val="tx1"/>
+                </a:solidFill>
+                <a:latin typeface="+mn-lt"/>
+                <a:ea typeface="+mn-ea"/>
+                <a:cs typeface="+mn-cs"/>
+              </a:defRPr>
+            </a:lvl6pPr>
+            <a:lvl7pPr marL="2971800" indent="-228600" algn="l" defTabSz="914400" rtl="0" eaLnBrk="1" latinLnBrk="0" hangingPunct="1">
+              <a:lnSpc>
+                <a:spcPct val="90000"/>
+              </a:lnSpc>
+              <a:spcBef>
+                <a:spcPts val="500"/>
+              </a:spcBef>
+              <a:buFont typeface="Arial" panose="020B0604020202020204" pitchFamily="34" charset="0"/>
+              <a:buChar char="•"/>
+              <a:defRPr sz="1800" kern="1200">
+                <a:solidFill>
+                  <a:schemeClr val="tx1"/>
+                </a:solidFill>
+                <a:latin typeface="+mn-lt"/>
+                <a:ea typeface="+mn-ea"/>
+                <a:cs typeface="+mn-cs"/>
+              </a:defRPr>
+            </a:lvl7pPr>
+            <a:lvl8pPr marL="3429000" indent="-228600" algn="l" defTabSz="914400" rtl="0" eaLnBrk="1" latinLnBrk="0" hangingPunct="1">
+              <a:lnSpc>
+                <a:spcPct val="90000"/>
+              </a:lnSpc>
+              <a:spcBef>
+                <a:spcPts val="500"/>
+              </a:spcBef>
+              <a:buFont typeface="Arial" panose="020B0604020202020204" pitchFamily="34" charset="0"/>
+              <a:buChar char="•"/>
+              <a:defRPr sz="1800" kern="1200">
+                <a:solidFill>
+                  <a:schemeClr val="tx1"/>
+                </a:solidFill>
+                <a:latin typeface="+mn-lt"/>
+                <a:ea typeface="+mn-ea"/>
+                <a:cs typeface="+mn-cs"/>
+              </a:defRPr>
+            </a:lvl8pPr>
+            <a:lvl9pPr marL="3886200" indent="-228600" algn="l" defTabSz="914400" rtl="0" eaLnBrk="1" latinLnBrk="0" hangingPunct="1">
+              <a:lnSpc>
+                <a:spcPct val="90000"/>
+              </a:lnSpc>
+              <a:spcBef>
+                <a:spcPts val="500"/>
+              </a:spcBef>
+              <a:buFont typeface="Arial" panose="020B0604020202020204" pitchFamily="34" charset="0"/>
+              <a:buChar char="•"/>
+              <a:defRPr sz="1800" kern="1200">
+                <a:solidFill>
+                  <a:schemeClr val="tx1"/>
+                </a:solidFill>
+                <a:latin typeface="+mn-lt"/>
+                <a:ea typeface="+mn-ea"/>
+                <a:cs typeface="+mn-cs"/>
+              </a:defRPr>
+            </a:lvl9pPr>
+          </a:lstStyle>
+          <a:p>
+            <a:pPr marL="0" indent="0">
+              <a:buNone/>
+            </a:pPr>
+            <a:r>
+              <a:rPr lang="en-US" dirty="0"/>
+              <a:t>Threats</a:t>
+            </a:r>
+          </a:p>
+          <a:p>
+            <a:r>
+              <a:rPr lang="en-US" sz="1200" dirty="0"/>
+              <a:t>Strong competition</a:t>
+            </a:r>
+            <a:br>
+              <a:rPr lang="en-US" sz="1200" dirty="0"/>
+            </a:br>
+            <a:r>
+              <a:rPr lang="en-US" sz="900" dirty="0"/>
+              <a:t>Tableau, Qlik, Looker, and even open-source tools challenge Power BI’s market share</a:t>
+            </a:r>
+          </a:p>
+          <a:p>
+            <a:r>
+              <a:rPr lang="en-US" sz="1200" dirty="0"/>
+              <a:t>Dependence on Microsoft ecosystem</a:t>
+            </a:r>
+            <a:br>
+              <a:rPr lang="en-US" sz="900" dirty="0"/>
+            </a:br>
+            <a:r>
+              <a:rPr lang="en-US" sz="900" dirty="0" err="1"/>
+              <a:t>Organisations</a:t>
+            </a:r>
+            <a:r>
+              <a:rPr lang="en-US" sz="900" dirty="0"/>
+              <a:t> heavily invested in AWS or Google Cloud may prefer native tools.</a:t>
+            </a:r>
+          </a:p>
+          <a:p>
+            <a:r>
+              <a:rPr lang="en-US" sz="1050" dirty="0"/>
+              <a:t>Data privacy &amp; compliance concerns</a:t>
+            </a:r>
+            <a:br>
+              <a:rPr lang="en-US" sz="900" dirty="0"/>
+            </a:br>
+            <a:r>
+              <a:rPr lang="en-US" sz="900" dirty="0"/>
+              <a:t>Some industries restrict cloud-based analytics, limiting Power BI’s deployment options.</a:t>
+            </a:r>
+          </a:p>
+          <a:p>
+            <a:r>
+              <a:rPr lang="en-US" sz="1100" dirty="0"/>
+              <a:t>Rapid evolution of AI analytics</a:t>
+            </a:r>
+            <a:br>
+              <a:rPr lang="en-US" sz="900" dirty="0"/>
+            </a:br>
+            <a:r>
+              <a:rPr lang="en-US" sz="900" dirty="0"/>
+              <a:t>New AI-driven BI tools could disrupt traditional dashboarding platforms.</a:t>
+            </a:r>
+            <a:endParaRPr lang="en-US" sz="1200" dirty="0"/>
+          </a:p>
+        </p:txBody>
+      </p:sp>
+    </p:spTree>
+    <p:extLst>
+      <p:ext uri="{BB962C8B-B14F-4D97-AF65-F5344CB8AC3E}">
+        <p14:creationId xmlns:p14="http://schemas.microsoft.com/office/powerpoint/2010/main" val="1831586762"/>
+      </p:ext>
+    </p:extLst>
+  </p:cSld>
+  <p:clrMapOvr>
+    <a:masterClrMapping/>
+  </p:clrMapOvr>
+</p:sld>
+</file>
+
+<file path=ppt/slides/slide5.xml><?xml version="1.0" encoding="utf-8"?>
+<p:sld xmlns:a="http://schemas.openxmlformats.org/drawingml/2006/main" xmlns:r="http://schemas.openxmlformats.org/officeDocument/2006/relationships" xmlns:p="http://schemas.openxmlformats.org/presentationml/2006/main">
+  <p:cSld>
+    <p:spTree>
+      <p:nvGrpSpPr>
+        <p:cNvPr id="1" name=""/>
+        <p:cNvGrpSpPr/>
+        <p:nvPr/>
+      </p:nvGrpSpPr>
+      <p:grpSpPr>
+        <a:xfrm>
+          <a:off x="0" y="0"/>
+          <a:ext cx="0" cy="0"/>
+          <a:chOff x="0" y="0"/>
+          <a:chExt cx="0" cy="0"/>
+        </a:xfrm>
+      </p:grpSpPr>
+      <p:sp>
+        <p:nvSpPr>
+          <p:cNvPr id="2" name="Title 1">
+            <a:extLst>
+              <a:ext uri="{FF2B5EF4-FFF2-40B4-BE49-F238E27FC236}">
+                <a16:creationId xmlns:a16="http://schemas.microsoft.com/office/drawing/2014/main" id="{468EACD8-4591-4DF0-B646-FA735EE939DD}"/>
+              </a:ext>
+            </a:extLst>
+          </p:cNvPr>
+          <p:cNvSpPr>
+            <a:spLocks noGrp="1"/>
+          </p:cNvSpPr>
+          <p:nvPr>
+            <p:ph type="title"/>
+          </p:nvPr>
+        </p:nvSpPr>
+        <p:spPr/>
+        <p:txBody>
+          <a:bodyPr/>
+          <a:lstStyle/>
+          <a:p>
+            <a:r>
+              <a:rPr lang="en-US" dirty="0" err="1"/>
+              <a:t>Delpoyment</a:t>
+            </a:r>
+            <a:r>
+              <a:rPr lang="en-US" dirty="0"/>
+              <a:t> Costs by </a:t>
+            </a:r>
+            <a:r>
+              <a:rPr lang="en-US" dirty="0" err="1"/>
+              <a:t>Organisation</a:t>
+            </a:r>
+            <a:r>
+              <a:rPr lang="en-US" dirty="0"/>
+              <a:t> Size</a:t>
+            </a:r>
+            <a:endParaRPr lang="en-GB" dirty="0"/>
+          </a:p>
+        </p:txBody>
+      </p:sp>
+      <p:graphicFrame>
+        <p:nvGraphicFramePr>
+          <p:cNvPr id="4" name="Table 4">
+            <a:extLst>
+              <a:ext uri="{FF2B5EF4-FFF2-40B4-BE49-F238E27FC236}">
+                <a16:creationId xmlns:a16="http://schemas.microsoft.com/office/drawing/2014/main" id="{75900524-257E-437A-8279-262C8FF9C5E6}"/>
+              </a:ext>
+            </a:extLst>
+          </p:cNvPr>
+          <p:cNvGraphicFramePr>
+            <a:graphicFrameLocks noGrp="1"/>
+          </p:cNvGraphicFramePr>
+          <p:nvPr>
+            <p:ph idx="1"/>
+            <p:extLst>
+              <p:ext uri="{D42A27DB-BD31-4B8C-83A1-F6EECF244321}">
+                <p14:modId xmlns:p14="http://schemas.microsoft.com/office/powerpoint/2010/main" val="3389465275"/>
+              </p:ext>
+            </p:extLst>
+          </p:nvPr>
+        </p:nvGraphicFramePr>
+        <p:xfrm>
+          <a:off x="838200" y="1825625"/>
+          <a:ext cx="10515600" cy="2834640"/>
+        </p:xfrm>
+        <a:graphic>
+          <a:graphicData uri="http://schemas.openxmlformats.org/drawingml/2006/table">
+            <a:tbl>
+              <a:tblPr firstRow="1" bandRow="1">
+                <a:tableStyleId>{5C22544A-7EE6-4342-B048-85BDC9FD1C3A}</a:tableStyleId>
+              </a:tblPr>
+              <a:tblGrid>
+                <a:gridCol w="1752600">
+                  <a:extLst>
+                    <a:ext uri="{9D8B030D-6E8A-4147-A177-3AD203B41FA5}">
+                      <a16:colId xmlns:a16="http://schemas.microsoft.com/office/drawing/2014/main" val="4025117447"/>
+                    </a:ext>
+                  </a:extLst>
+                </a:gridCol>
+                <a:gridCol w="1752600">
+                  <a:extLst>
+                    <a:ext uri="{9D8B030D-6E8A-4147-A177-3AD203B41FA5}">
+                      <a16:colId xmlns:a16="http://schemas.microsoft.com/office/drawing/2014/main" val="3466671542"/>
+                    </a:ext>
+                  </a:extLst>
+                </a:gridCol>
+                <a:gridCol w="1752600">
+                  <a:extLst>
+                    <a:ext uri="{9D8B030D-6E8A-4147-A177-3AD203B41FA5}">
+                      <a16:colId xmlns:a16="http://schemas.microsoft.com/office/drawing/2014/main" val="2118410339"/>
+                    </a:ext>
+                  </a:extLst>
+                </a:gridCol>
+                <a:gridCol w="1752600">
+                  <a:extLst>
+                    <a:ext uri="{9D8B030D-6E8A-4147-A177-3AD203B41FA5}">
+                      <a16:colId xmlns:a16="http://schemas.microsoft.com/office/drawing/2014/main" val="3481015754"/>
+                    </a:ext>
+                  </a:extLst>
+                </a:gridCol>
+                <a:gridCol w="1752600">
+                  <a:extLst>
+                    <a:ext uri="{9D8B030D-6E8A-4147-A177-3AD203B41FA5}">
+                      <a16:colId xmlns:a16="http://schemas.microsoft.com/office/drawing/2014/main" val="222622573"/>
+                    </a:ext>
+                  </a:extLst>
+                </a:gridCol>
+                <a:gridCol w="1752600">
+                  <a:extLst>
+                    <a:ext uri="{9D8B030D-6E8A-4147-A177-3AD203B41FA5}">
+                      <a16:colId xmlns:a16="http://schemas.microsoft.com/office/drawing/2014/main" val="66697812"/>
+                    </a:ext>
+                  </a:extLst>
+                </a:gridCol>
+              </a:tblGrid>
+              <a:tr h="370840">
+                <a:tc>
+                  <a:txBody>
+                    <a:bodyPr/>
+                    <a:lstStyle/>
+                    <a:p>
+                      <a:r>
+                        <a:rPr lang="en-US" dirty="0"/>
+                        <a:t>Size</a:t>
+                      </a:r>
+                      <a:endParaRPr lang="en-GB" dirty="0"/>
+                    </a:p>
+                  </a:txBody>
+                  <a:tcPr/>
+                </a:tc>
+                <a:tc>
+                  <a:txBody>
+                    <a:bodyPr/>
+                    <a:lstStyle/>
+                    <a:p>
+                      <a:r>
+                        <a:rPr lang="en-US" dirty="0"/>
+                        <a:t>Users</a:t>
+                      </a:r>
+                      <a:endParaRPr lang="en-GB" dirty="0"/>
+                    </a:p>
+                  </a:txBody>
+                  <a:tcPr/>
+                </a:tc>
+                <a:tc>
+                  <a:txBody>
+                    <a:bodyPr/>
+                    <a:lstStyle/>
+                    <a:p>
+                      <a:r>
+                        <a:rPr lang="en-US" dirty="0"/>
+                        <a:t>Licensing</a:t>
+                      </a:r>
+                      <a:endParaRPr lang="en-GB" dirty="0"/>
+                    </a:p>
+                  </a:txBody>
+                  <a:tcPr/>
+                </a:tc>
+                <a:tc>
+                  <a:txBody>
+                    <a:bodyPr/>
+                    <a:lstStyle/>
+                    <a:p>
+                      <a:r>
+                        <a:rPr lang="en-US" dirty="0"/>
+                        <a:t>Initial setup (data modelling, dashboards)</a:t>
+                      </a:r>
+                      <a:endParaRPr lang="en-GB" dirty="0"/>
+                    </a:p>
+                  </a:txBody>
+                  <a:tcPr/>
+                </a:tc>
+                <a:tc>
+                  <a:txBody>
+                    <a:bodyPr/>
+                    <a:lstStyle/>
+                    <a:p>
+                      <a:r>
+                        <a:rPr lang="en-US" dirty="0"/>
+                        <a:t>Training</a:t>
+                      </a:r>
+                      <a:endParaRPr lang="en-GB" dirty="0"/>
+                    </a:p>
+                  </a:txBody>
+                  <a:tcPr/>
+                </a:tc>
+                <a:tc>
+                  <a:txBody>
+                    <a:bodyPr/>
+                    <a:lstStyle/>
+                    <a:p>
+                      <a:r>
+                        <a:rPr lang="en-US" dirty="0"/>
+                        <a:t>Ongoing maintenance</a:t>
+                      </a:r>
+                      <a:endParaRPr lang="en-GB" dirty="0"/>
+                    </a:p>
+                  </a:txBody>
+                  <a:tcPr/>
+                </a:tc>
+                <a:extLst>
+                  <a:ext uri="{0D108BD9-81ED-4DB2-BD59-A6C34878D82A}">
+                    <a16:rowId xmlns:a16="http://schemas.microsoft.com/office/drawing/2014/main" val="601690880"/>
+                  </a:ext>
+                </a:extLst>
+              </a:tr>
+              <a:tr h="370840">
+                <a:tc>
+                  <a:txBody>
+                    <a:bodyPr/>
+                    <a:lstStyle/>
+                    <a:p>
+                      <a:r>
+                        <a:rPr lang="en-US" dirty="0"/>
+                        <a:t>Small</a:t>
+                      </a:r>
+                      <a:endParaRPr lang="en-GB" dirty="0"/>
+                    </a:p>
+                  </a:txBody>
+                  <a:tcPr/>
+                </a:tc>
+                <a:tc>
+                  <a:txBody>
+                    <a:bodyPr/>
+                    <a:lstStyle/>
+                    <a:p>
+                      <a:r>
+                        <a:rPr lang="en-US" dirty="0"/>
+                        <a:t>1-50</a:t>
+                      </a:r>
+                      <a:endParaRPr lang="en-GB" dirty="0"/>
+                    </a:p>
+                  </a:txBody>
+                  <a:tcPr/>
+                </a:tc>
+                <a:tc>
+                  <a:txBody>
+                    <a:bodyPr/>
+                    <a:lstStyle/>
+                    <a:p>
+                      <a:r>
+                        <a:rPr lang="en-US" dirty="0"/>
+                        <a:t>£650 - £5,000 /year</a:t>
+                      </a:r>
+                      <a:endParaRPr lang="en-GB" dirty="0"/>
+                    </a:p>
+                  </a:txBody>
+                  <a:tcPr/>
+                </a:tc>
+                <a:tc>
+                  <a:txBody>
+                    <a:bodyPr/>
+                    <a:lstStyle/>
+                    <a:p>
+                      <a:r>
+                        <a:rPr lang="en-US" dirty="0"/>
+                        <a:t>£5,000 - £25,000</a:t>
+                      </a:r>
+                      <a:endParaRPr lang="en-GB" dirty="0"/>
+                    </a:p>
+                  </a:txBody>
+                  <a:tcPr/>
+                </a:tc>
+                <a:tc>
+                  <a:txBody>
+                    <a:bodyPr/>
+                    <a:lstStyle/>
+                    <a:p>
+                      <a:r>
+                        <a:rPr lang="en-US" dirty="0"/>
+                        <a:t>£1,000 - £5,000</a:t>
+                      </a:r>
+                      <a:endParaRPr lang="en-GB" dirty="0"/>
+                    </a:p>
+                  </a:txBody>
+                  <a:tcPr/>
+                </a:tc>
+                <a:tc>
+                  <a:txBody>
+                    <a:bodyPr/>
+                    <a:lstStyle/>
+                    <a:p>
+                      <a:r>
+                        <a:rPr lang="en-US" dirty="0"/>
+                        <a:t>£2,000 - £10,000/year</a:t>
+                      </a:r>
+                      <a:endParaRPr lang="en-GB" dirty="0"/>
+                    </a:p>
+                  </a:txBody>
+                  <a:tcPr/>
+                </a:tc>
+                <a:extLst>
+                  <a:ext uri="{0D108BD9-81ED-4DB2-BD59-A6C34878D82A}">
+                    <a16:rowId xmlns:a16="http://schemas.microsoft.com/office/drawing/2014/main" val="2644250455"/>
+                  </a:ext>
+                </a:extLst>
+              </a:tr>
+              <a:tr h="401161">
+                <a:tc>
+                  <a:txBody>
+                    <a:bodyPr/>
+                    <a:lstStyle/>
+                    <a:p>
+                      <a:r>
+                        <a:rPr lang="en-US" dirty="0"/>
+                        <a:t>Medium</a:t>
+                      </a:r>
+                      <a:endParaRPr lang="en-GB" dirty="0"/>
+                    </a:p>
+                  </a:txBody>
+                  <a:tcPr/>
+                </a:tc>
+                <a:tc>
+                  <a:txBody>
+                    <a:bodyPr/>
+                    <a:lstStyle/>
+                    <a:p>
+                      <a:r>
+                        <a:rPr lang="en-US" dirty="0"/>
+                        <a:t>50-500</a:t>
+                      </a:r>
+                      <a:endParaRPr lang="en-GB" dirty="0"/>
+                    </a:p>
+                  </a:txBody>
+                  <a:tcPr/>
+                </a:tc>
+                <a:tc>
+                  <a:txBody>
+                    <a:bodyPr/>
+                    <a:lstStyle/>
+                    <a:p>
+                      <a:r>
+                        <a:rPr lang="en-US" dirty="0"/>
+                        <a:t>£10,000 - £150,000/year</a:t>
+                      </a:r>
+                      <a:endParaRPr lang="en-GB" dirty="0"/>
+                    </a:p>
+                  </a:txBody>
+                  <a:tcPr/>
+                </a:tc>
+                <a:tc>
+                  <a:txBody>
+                    <a:bodyPr/>
+                    <a:lstStyle/>
+                    <a:p>
+                      <a:r>
+                        <a:rPr lang="en-US" dirty="0"/>
+                        <a:t>£30,000 - £250,000</a:t>
+                      </a:r>
+                      <a:endParaRPr lang="en-GB" dirty="0"/>
+                    </a:p>
+                  </a:txBody>
+                  <a:tcPr/>
+                </a:tc>
+                <a:tc>
+                  <a:txBody>
+                    <a:bodyPr/>
+                    <a:lstStyle/>
+                    <a:p>
+                      <a:r>
+                        <a:rPr lang="en-US" dirty="0"/>
+                        <a:t>£10,000 to £50,000</a:t>
+                      </a:r>
+                      <a:endParaRPr lang="en-GB" dirty="0"/>
+                    </a:p>
+                  </a:txBody>
+                  <a:tcPr/>
+                </a:tc>
+                <a:tc>
+                  <a:txBody>
+                    <a:bodyPr/>
+                    <a:lstStyle/>
+                    <a:p>
+                      <a:r>
+                        <a:rPr lang="en-US" dirty="0"/>
+                        <a:t>£20,000 to £100,000/year</a:t>
+                      </a:r>
+                      <a:endParaRPr lang="en-GB" dirty="0"/>
+                    </a:p>
+                  </a:txBody>
+                  <a:tcPr/>
+                </a:tc>
+                <a:extLst>
+                  <a:ext uri="{0D108BD9-81ED-4DB2-BD59-A6C34878D82A}">
+                    <a16:rowId xmlns:a16="http://schemas.microsoft.com/office/drawing/2014/main" val="1906422384"/>
+                  </a:ext>
+                </a:extLst>
+              </a:tr>
+              <a:tr h="370840">
+                <a:tc>
+                  <a:txBody>
+                    <a:bodyPr/>
+                    <a:lstStyle/>
+                    <a:p>
+                      <a:r>
+                        <a:rPr lang="en-US" dirty="0"/>
+                        <a:t>Large</a:t>
+                      </a:r>
+                      <a:endParaRPr lang="en-GB" dirty="0"/>
+                    </a:p>
+                  </a:txBody>
+                  <a:tcPr/>
+                </a:tc>
+                <a:tc>
+                  <a:txBody>
+                    <a:bodyPr/>
+                    <a:lstStyle/>
+                    <a:p>
+                      <a:r>
+                        <a:rPr lang="en-US" dirty="0"/>
+                        <a:t>500+</a:t>
+                      </a:r>
+                      <a:endParaRPr lang="en-GB" dirty="0"/>
+                    </a:p>
+                  </a:txBody>
+                  <a:tcPr/>
+                </a:tc>
+                <a:tc>
+                  <a:txBody>
+                    <a:bodyPr/>
+                    <a:lstStyle/>
+                    <a:p>
+                      <a:r>
+                        <a:rPr lang="en-US" dirty="0"/>
+                        <a:t>£200,000 - £2M+/year</a:t>
+                      </a:r>
+                      <a:endParaRPr lang="en-GB" dirty="0"/>
+                    </a:p>
+                  </a:txBody>
+                  <a:tcPr/>
+                </a:tc>
+                <a:tc>
+                  <a:txBody>
+                    <a:bodyPr/>
+                    <a:lstStyle/>
+                    <a:p>
+                      <a:r>
+                        <a:rPr lang="en-US" dirty="0"/>
+                        <a:t>£250,000 - £300,000</a:t>
+                      </a:r>
+                      <a:endParaRPr lang="en-GB" dirty="0"/>
+                    </a:p>
+                  </a:txBody>
+                  <a:tcPr/>
+                </a:tc>
+                <a:tc>
+                  <a:txBody>
+                    <a:bodyPr/>
+                    <a:lstStyle/>
+                    <a:p>
+                      <a:r>
+                        <a:rPr lang="en-US" dirty="0"/>
+                        <a:t>£50,000 - £300,000</a:t>
+                      </a:r>
+                      <a:endParaRPr lang="en-GB" dirty="0"/>
+                    </a:p>
+                  </a:txBody>
+                  <a:tcPr/>
+                </a:tc>
+                <a:tc>
+                  <a:txBody>
+                    <a:bodyPr/>
+                    <a:lstStyle/>
+                    <a:p>
+                      <a:r>
+                        <a:rPr lang="en-US" dirty="0"/>
+                        <a:t>£100,000 - £1M+/year</a:t>
+                      </a:r>
+                      <a:endParaRPr lang="en-GB" dirty="0"/>
+                    </a:p>
+                  </a:txBody>
+                  <a:tcPr/>
+                </a:tc>
+                <a:extLst>
+                  <a:ext uri="{0D108BD9-81ED-4DB2-BD59-A6C34878D82A}">
+                    <a16:rowId xmlns:a16="http://schemas.microsoft.com/office/drawing/2014/main" val="649418973"/>
+                  </a:ext>
+                </a:extLst>
+              </a:tr>
+            </a:tbl>
+          </a:graphicData>
+        </a:graphic>
+      </p:graphicFrame>
+    </p:spTree>
+    <p:extLst>
+      <p:ext uri="{BB962C8B-B14F-4D97-AF65-F5344CB8AC3E}">
+        <p14:creationId xmlns:p14="http://schemas.microsoft.com/office/powerpoint/2010/main" val="3574442995"/>
       </p:ext>
     </p:extLst>
   </p:cSld>
@@ -4297,4 +6505,299 @@
     </a:ext>
   </a:extLst>
 </a:theme>
+</file>
+
+<file path=ppt/theme/theme2.xml><?xml version="1.0" encoding="utf-8"?>
+<a:theme xmlns:a="http://schemas.openxmlformats.org/drawingml/2006/main" name="Office Theme">
+  <a:themeElements>
+    <a:clrScheme name="Office">
+      <a:dk1>
+        <a:sysClr val="windowText" lastClr="000000"/>
+      </a:dk1>
+      <a:lt1>
+        <a:sysClr val="window" lastClr="FFFFFF"/>
+      </a:lt1>
+      <a:dk2>
+        <a:srgbClr val="44546A"/>
+      </a:dk2>
+      <a:lt2>
+        <a:srgbClr val="E7E6E6"/>
+      </a:lt2>
+      <a:accent1>
+        <a:srgbClr val="4472C4"/>
+      </a:accent1>
+      <a:accent2>
+        <a:srgbClr val="ED7D31"/>
+      </a:accent2>
+      <a:accent3>
+        <a:srgbClr val="A5A5A5"/>
+      </a:accent3>
+      <a:accent4>
+        <a:srgbClr val="FFC000"/>
+      </a:accent4>
+      <a:accent5>
+        <a:srgbClr val="5B9BD5"/>
+      </a:accent5>
+      <a:accent6>
+        <a:srgbClr val="70AD47"/>
+      </a:accent6>
+      <a:hlink>
+        <a:srgbClr val="0563C1"/>
+      </a:hlink>
+      <a:folHlink>
+        <a:srgbClr val="954F72"/>
+      </a:folHlink>
+    </a:clrScheme>
+    <a:fontScheme name="Office">
+      <a:majorFont>
+        <a:latin typeface="Calibri Light" panose="020F0302020204030204"/>
+        <a:ea typeface=""/>
+        <a:cs typeface=""/>
+        <a:font script="Jpan" typeface="游ゴシック Light"/>
+        <a:font script="Hang" typeface="맑은 고딕"/>
+        <a:font script="Hans" typeface="等线 Light"/>
+        <a:font script="Hant" typeface="新細明體"/>
+        <a:font script="Arab" typeface="Times New Roman"/>
+        <a:font script="Hebr" typeface="Times New Roman"/>
+        <a:font script="Thai" typeface="Angsana New"/>
+        <a:font script="Ethi" typeface="Nyala"/>
+        <a:font script="Beng" typeface="Vrinda"/>
+        <a:font script="Gujr" typeface="Shruti"/>
+        <a:font script="Khmr" typeface="MoolBoran"/>
+        <a:font script="Knda" typeface="Tunga"/>
+        <a:font script="Guru" typeface="Raavi"/>
+        <a:font script="Cans" typeface="Euphemia"/>
+        <a:font script="Cher" typeface="Plantagenet Cherokee"/>
+        <a:font script="Yiii" typeface="Microsoft Yi Baiti"/>
+        <a:font script="Tibt" typeface="Microsoft Himalaya"/>
+        <a:font script="Thaa" typeface="MV Boli"/>
+        <a:font script="Deva" typeface="Mangal"/>
+        <a:font script="Telu" typeface="Gautami"/>
+        <a:font script="Taml" typeface="Latha"/>
+        <a:font script="Syrc" typeface="Estrangelo Edessa"/>
+        <a:font script="Orya" typeface="Kalinga"/>
+        <a:font script="Mlym" typeface="Kartika"/>
+        <a:font script="Laoo" typeface="DokChampa"/>
+        <a:font script="Sinh" typeface="Iskoola Pota"/>
+        <a:font script="Mong" typeface="Mongolian Baiti"/>
+        <a:font script="Viet" typeface="Times New Roman"/>
+        <a:font script="Uigh" typeface="Microsoft Uighur"/>
+        <a:font script="Geor" typeface="Sylfaen"/>
+        <a:font script="Armn" typeface="Arial"/>
+        <a:font script="Bugi" typeface="Leelawadee UI"/>
+        <a:font script="Bopo" typeface="Microsoft JhengHei"/>
+        <a:font script="Java" typeface="Javanese Text"/>
+        <a:font script="Lisu" typeface="Segoe UI"/>
+        <a:font script="Mymr" typeface="Myanmar Text"/>
+        <a:font script="Nkoo" typeface="Ebrima"/>
+        <a:font script="Olck" typeface="Nirmala UI"/>
+        <a:font script="Osma" typeface="Ebrima"/>
+        <a:font script="Phag" typeface="Phagspa"/>
+        <a:font script="Syrn" typeface="Estrangelo Edessa"/>
+        <a:font script="Syrj" typeface="Estrangelo Edessa"/>
+        <a:font script="Syre" typeface="Estrangelo Edessa"/>
+        <a:font script="Sora" typeface="Nirmala UI"/>
+        <a:font script="Tale" typeface="Microsoft Tai Le"/>
+        <a:font script="Talu" typeface="Microsoft New Tai Lue"/>
+        <a:font script="Tfng" typeface="Ebrima"/>
+      </a:majorFont>
+      <a:minorFont>
+        <a:latin typeface="Calibri" panose="020F0502020204030204"/>
+        <a:ea typeface=""/>
+        <a:cs typeface=""/>
+        <a:font script="Jpan" typeface="游ゴシック"/>
+        <a:font script="Hang" typeface="맑은 고딕"/>
+        <a:font script="Hans" typeface="等线"/>
+        <a:font script="Hant" typeface="新細明體"/>
+        <a:font script="Arab" typeface="Arial"/>
+        <a:font script="Hebr" typeface="Arial"/>
+        <a:font script="Thai" typeface="Cordia New"/>
+        <a:font script="Ethi" typeface="Nyala"/>
+        <a:font script="Beng" typeface="Vrinda"/>
+        <a:font script="Gujr" typeface="Shruti"/>
+        <a:font script="Khmr" typeface="DaunPenh"/>
+        <a:font script="Knda" typeface="Tunga"/>
+        <a:font script="Guru" typeface="Raavi"/>
+        <a:font script="Cans" typeface="Euphemia"/>
+        <a:font script="Cher" typeface="Plantagenet Cherokee"/>
+        <a:font script="Yiii" typeface="Microsoft Yi Baiti"/>
+        <a:font script="Tibt" typeface="Microsoft Himalaya"/>
+        <a:font script="Thaa" typeface="MV Boli"/>
+        <a:font script="Deva" typeface="Mangal"/>
+        <a:font script="Telu" typeface="Gautami"/>
+        <a:font script="Taml" typeface="Latha"/>
+        <a:font script="Syrc" typeface="Estrangelo Edessa"/>
+        <a:font script="Orya" typeface="Kalinga"/>
+        <a:font script="Mlym" typeface="Kartika"/>
+        <a:font script="Laoo" typeface="DokChampa"/>
+        <a:font script="Sinh" typeface="Iskoola Pota"/>
+        <a:font script="Mong" typeface="Mongolian Baiti"/>
+        <a:font script="Viet" typeface="Arial"/>
+        <a:font script="Uigh" typeface="Microsoft Uighur"/>
+        <a:font script="Geor" typeface="Sylfaen"/>
+        <a:font script="Armn" typeface="Arial"/>
+        <a:font script="Bugi" typeface="Leelawadee UI"/>
+        <a:font script="Bopo" typeface="Microsoft JhengHei"/>
+        <a:font script="Java" typeface="Javanese Text"/>
+        <a:font script="Lisu" typeface="Segoe UI"/>
+        <a:font script="Mymr" typeface="Myanmar Text"/>
+        <a:font script="Nkoo" typeface="Ebrima"/>
+        <a:font script="Olck" typeface="Nirmala UI"/>
+        <a:font script="Osma" typeface="Ebrima"/>
+        <a:font script="Phag" typeface="Phagspa"/>
+        <a:font script="Syrn" typeface="Estrangelo Edessa"/>
+        <a:font script="Syrj" typeface="Estrangelo Edessa"/>
+        <a:font script="Syre" typeface="Estrangelo Edessa"/>
+        <a:font script="Sora" typeface="Nirmala UI"/>
+        <a:font script="Tale" typeface="Microsoft Tai Le"/>
+        <a:font script="Talu" typeface="Microsoft New Tai Lue"/>
+        <a:font script="Tfng" typeface="Ebrima"/>
+      </a:minorFont>
+    </a:fontScheme>
+    <a:fmtScheme name="Office">
+      <a:fillStyleLst>
+        <a:solidFill>
+          <a:schemeClr val="phClr"/>
+        </a:solidFill>
+        <a:gradFill rotWithShape="1">
+          <a:gsLst>
+            <a:gs pos="0">
+              <a:schemeClr val="phClr">
+                <a:lumMod val="110000"/>
+                <a:satMod val="105000"/>
+                <a:tint val="67000"/>
+              </a:schemeClr>
+            </a:gs>
+            <a:gs pos="50000">
+              <a:schemeClr val="phClr">
+                <a:lumMod val="105000"/>
+                <a:satMod val="103000"/>
+                <a:tint val="73000"/>
+              </a:schemeClr>
+            </a:gs>
+            <a:gs pos="100000">
+              <a:schemeClr val="phClr">
+                <a:lumMod val="105000"/>
+                <a:satMod val="109000"/>
+                <a:tint val="81000"/>
+              </a:schemeClr>
+            </a:gs>
+          </a:gsLst>
+          <a:lin ang="5400000" scaled="0"/>
+        </a:gradFill>
+        <a:gradFill rotWithShape="1">
+          <a:gsLst>
+            <a:gs pos="0">
+              <a:schemeClr val="phClr">
+                <a:satMod val="103000"/>
+                <a:lumMod val="102000"/>
+                <a:tint val="94000"/>
+              </a:schemeClr>
+            </a:gs>
+            <a:gs pos="50000">
+              <a:schemeClr val="phClr">
+                <a:satMod val="110000"/>
+                <a:lumMod val="100000"/>
+                <a:shade val="100000"/>
+              </a:schemeClr>
+            </a:gs>
+            <a:gs pos="100000">
+              <a:schemeClr val="phClr">
+                <a:lumMod val="99000"/>
+                <a:satMod val="120000"/>
+                <a:shade val="78000"/>
+              </a:schemeClr>
+            </a:gs>
+          </a:gsLst>
+          <a:lin ang="5400000" scaled="0"/>
+        </a:gradFill>
+      </a:fillStyleLst>
+      <a:lnStyleLst>
+        <a:ln w="6350" cap="flat" cmpd="sng" algn="ctr">
+          <a:solidFill>
+            <a:schemeClr val="phClr"/>
+          </a:solidFill>
+          <a:prstDash val="solid"/>
+          <a:miter lim="800000"/>
+        </a:ln>
+        <a:ln w="12700" cap="flat" cmpd="sng" algn="ctr">
+          <a:solidFill>
+            <a:schemeClr val="phClr"/>
+          </a:solidFill>
+          <a:prstDash val="solid"/>
+          <a:miter lim="800000"/>
+        </a:ln>
+        <a:ln w="19050" cap="flat" cmpd="sng" algn="ctr">
+          <a:solidFill>
+            <a:schemeClr val="phClr"/>
+          </a:solidFill>
+          <a:prstDash val="solid"/>
+          <a:miter lim="800000"/>
+        </a:ln>
+      </a:lnStyleLst>
+      <a:effectStyleLst>
+        <a:effectStyle>
+          <a:effectLst/>
+        </a:effectStyle>
+        <a:effectStyle>
+          <a:effectLst/>
+        </a:effectStyle>
+        <a:effectStyle>
+          <a:effectLst>
+            <a:outerShdw blurRad="57150" dist="19050" dir="5400000" algn="ctr" rotWithShape="0">
+              <a:srgbClr val="000000">
+                <a:alpha val="63000"/>
+              </a:srgbClr>
+            </a:outerShdw>
+          </a:effectLst>
+        </a:effectStyle>
+      </a:effectStyleLst>
+      <a:bgFillStyleLst>
+        <a:solidFill>
+          <a:schemeClr val="phClr"/>
+        </a:solidFill>
+        <a:solidFill>
+          <a:schemeClr val="phClr">
+            <a:tint val="95000"/>
+            <a:satMod val="170000"/>
+          </a:schemeClr>
+        </a:solidFill>
+        <a:gradFill rotWithShape="1">
+          <a:gsLst>
+            <a:gs pos="0">
+              <a:schemeClr val="phClr">
+                <a:tint val="93000"/>
+                <a:satMod val="150000"/>
+                <a:shade val="98000"/>
+                <a:lumMod val="102000"/>
+              </a:schemeClr>
+            </a:gs>
+            <a:gs pos="50000">
+              <a:schemeClr val="phClr">
+                <a:tint val="98000"/>
+                <a:satMod val="130000"/>
+                <a:shade val="90000"/>
+                <a:lumMod val="103000"/>
+              </a:schemeClr>
+            </a:gs>
+            <a:gs pos="100000">
+              <a:schemeClr val="phClr">
+                <a:shade val="63000"/>
+                <a:satMod val="120000"/>
+              </a:schemeClr>
+            </a:gs>
+          </a:gsLst>
+          <a:lin ang="5400000" scaled="0"/>
+        </a:gradFill>
+      </a:bgFillStyleLst>
+    </a:fmtScheme>
+  </a:themeElements>
+  <a:objectDefaults/>
+  <a:extraClrSchemeLst/>
+  <a:extLst>
+    <a:ext uri="{05A4C25C-085E-4340-85A3-A5531E510DB2}">
+      <thm15:themeFamily xmlns:thm15="http://schemas.microsoft.com/office/thememl/2012/main" name="Office Theme" id="{62F939B6-93AF-4DB8-9C6B-D6C7DFDC589F}" vid="{4A3C46E8-61CC-4603-A589-7422A47A8E4A}"/>
+    </a:ext>
+  </a:extLst>
+</a:theme>
 </file>
--- a/PowerBI.pptx
+++ b/PowerBI.pptx
@@ -5,14 +5,16 @@
     <p:sldMasterId id="2147483648" r:id="rId1"/>
   </p:sldMasterIdLst>
   <p:notesMasterIdLst>
-    <p:notesMasterId r:id="rId7"/>
+    <p:notesMasterId r:id="rId9"/>
   </p:notesMasterIdLst>
   <p:sldIdLst>
     <p:sldId id="256" r:id="rId2"/>
     <p:sldId id="261" r:id="rId3"/>
     <p:sldId id="258" r:id="rId4"/>
     <p:sldId id="259" r:id="rId5"/>
-    <p:sldId id="260" r:id="rId6"/>
+    <p:sldId id="262" r:id="rId6"/>
+    <p:sldId id="260" r:id="rId7"/>
+    <p:sldId id="263" r:id="rId8"/>
   </p:sldIdLst>
   <p:sldSz cx="12192000" cy="6858000"/>
   <p:notesSz cx="6858000" cy="9144000"/>
@@ -111,7 +113,943 @@
       </a:defRPr>
     </a:lvl9pPr>
   </p:defaultTextStyle>
+  <p:extLst>
+    <p:ext uri="{521415D9-36F7-43E2-AB2F-B90AF26B5E84}">
+      <p14:sectionLst xmlns:p14="http://schemas.microsoft.com/office/powerpoint/2010/main">
+        <p14:section name="Default Section" id="{80B26814-351C-41F2-993D-07DB5DA5D11C}">
+          <p14:sldIdLst>
+            <p14:sldId id="256"/>
+            <p14:sldId id="261"/>
+            <p14:sldId id="258"/>
+            <p14:sldId id="259"/>
+          </p14:sldIdLst>
+        </p14:section>
+        <p14:section name="Untitled Section" id="{AAF13E2F-2BA5-46C1-80B2-66FDB7947F6A}">
+          <p14:sldIdLst>
+            <p14:sldId id="262"/>
+            <p14:sldId id="260"/>
+            <p14:sldId id="263"/>
+          </p14:sldIdLst>
+        </p14:section>
+      </p14:sectionLst>
+    </p:ext>
+  </p:extLst>
 </p:presentation>
+</file>
+
+<file path=ppt/charts/chart1.xml><?xml version="1.0" encoding="utf-8"?>
+<c:chartSpace xmlns:c="http://schemas.openxmlformats.org/drawingml/2006/chart" xmlns:a="http://schemas.openxmlformats.org/drawingml/2006/main" xmlns:r="http://schemas.openxmlformats.org/officeDocument/2006/relationships" xmlns:c16r2="http://schemas.microsoft.com/office/drawing/2015/06/chart">
+  <c:date1904 val="0"/>
+  <c:lang val="en-US"/>
+  <c:roundedCorners val="0"/>
+  <mc:AlternateContent xmlns:mc="http://schemas.openxmlformats.org/markup-compatibility/2006">
+    <mc:Choice xmlns:c14="http://schemas.microsoft.com/office/drawing/2007/8/2/chart" Requires="c14">
+      <c14:style val="102"/>
+    </mc:Choice>
+    <mc:Fallback>
+      <c:style val="2"/>
+    </mc:Fallback>
+  </mc:AlternateContent>
+  <c:chart>
+    <c:title>
+      <c:tx>
+        <c:rich>
+          <a:bodyPr rot="0" spcFirstLastPara="1" vertOverflow="ellipsis" vert="horz" wrap="square" anchor="ctr" anchorCtr="1"/>
+          <a:lstStyle/>
+          <a:p>
+            <a:pPr>
+              <a:defRPr sz="1862" b="0" i="0" u="none" strike="noStrike" kern="1200" spc="0" baseline="0">
+                <a:solidFill>
+                  <a:schemeClr val="tx1">
+                    <a:lumMod val="65000"/>
+                    <a:lumOff val="35000"/>
+                  </a:schemeClr>
+                </a:solidFill>
+                <a:latin typeface="+mn-lt"/>
+                <a:ea typeface="+mn-ea"/>
+                <a:cs typeface="+mn-cs"/>
+              </a:defRPr>
+            </a:pPr>
+            <a:r>
+              <a:rPr lang="en-US" dirty="0"/>
+              <a:t>Market Share</a:t>
+            </a:r>
+          </a:p>
+        </c:rich>
+      </c:tx>
+      <c:overlay val="0"/>
+      <c:spPr>
+        <a:noFill/>
+        <a:ln>
+          <a:noFill/>
+        </a:ln>
+        <a:effectLst/>
+      </c:spPr>
+      <c:txPr>
+        <a:bodyPr rot="0" spcFirstLastPara="1" vertOverflow="ellipsis" vert="horz" wrap="square" anchor="ctr" anchorCtr="1"/>
+        <a:lstStyle/>
+        <a:p>
+          <a:pPr>
+            <a:defRPr sz="1862" b="0" i="0" u="none" strike="noStrike" kern="1200" spc="0" baseline="0">
+              <a:solidFill>
+                <a:schemeClr val="tx1">
+                  <a:lumMod val="65000"/>
+                  <a:lumOff val="35000"/>
+                </a:schemeClr>
+              </a:solidFill>
+              <a:latin typeface="+mn-lt"/>
+              <a:ea typeface="+mn-ea"/>
+              <a:cs typeface="+mn-cs"/>
+            </a:defRPr>
+          </a:pPr>
+          <a:endParaRPr lang="en-US"/>
+        </a:p>
+      </c:txPr>
+    </c:title>
+    <c:autoTitleDeleted val="0"/>
+    <c:plotArea>
+      <c:layout/>
+      <c:pieChart>
+        <c:varyColors val="1"/>
+        <c:ser>
+          <c:idx val="0"/>
+          <c:order val="0"/>
+          <c:tx>
+            <c:strRef>
+              <c:f>Sheet1!$B$1</c:f>
+              <c:strCache>
+                <c:ptCount val="1"/>
+                <c:pt idx="0">
+                  <c:v>Sales</c:v>
+                </c:pt>
+              </c:strCache>
+            </c:strRef>
+          </c:tx>
+          <c:dPt>
+            <c:idx val="0"/>
+            <c:bubble3D val="0"/>
+            <c:spPr>
+              <a:solidFill>
+                <a:schemeClr val="accent1"/>
+              </a:solidFill>
+              <a:ln w="19050">
+                <a:solidFill>
+                  <a:schemeClr val="lt1"/>
+                </a:solidFill>
+              </a:ln>
+              <a:effectLst/>
+            </c:spPr>
+          </c:dPt>
+          <c:dPt>
+            <c:idx val="1"/>
+            <c:bubble3D val="0"/>
+            <c:spPr>
+              <a:solidFill>
+                <a:schemeClr val="accent2"/>
+              </a:solidFill>
+              <a:ln w="19050">
+                <a:solidFill>
+                  <a:schemeClr val="lt1"/>
+                </a:solidFill>
+              </a:ln>
+              <a:effectLst/>
+            </c:spPr>
+          </c:dPt>
+          <c:dPt>
+            <c:idx val="2"/>
+            <c:bubble3D val="0"/>
+            <c:spPr>
+              <a:solidFill>
+                <a:schemeClr val="accent3"/>
+              </a:solidFill>
+              <a:ln w="19050">
+                <a:solidFill>
+                  <a:schemeClr val="lt1"/>
+                </a:solidFill>
+              </a:ln>
+              <a:effectLst/>
+            </c:spPr>
+          </c:dPt>
+          <c:dPt>
+            <c:idx val="3"/>
+            <c:bubble3D val="0"/>
+            <c:spPr>
+              <a:solidFill>
+                <a:schemeClr val="accent4"/>
+              </a:solidFill>
+              <a:ln w="19050">
+                <a:solidFill>
+                  <a:schemeClr val="lt1"/>
+                </a:solidFill>
+              </a:ln>
+              <a:effectLst/>
+            </c:spPr>
+          </c:dPt>
+          <c:dPt>
+            <c:idx val="4"/>
+            <c:bubble3D val="0"/>
+            <c:spPr>
+              <a:solidFill>
+                <a:schemeClr val="accent5"/>
+              </a:solidFill>
+              <a:ln w="19050">
+                <a:solidFill>
+                  <a:schemeClr val="lt1"/>
+                </a:solidFill>
+              </a:ln>
+              <a:effectLst/>
+            </c:spPr>
+          </c:dPt>
+          <c:dLbls>
+            <c:spPr>
+              <a:noFill/>
+              <a:ln>
+                <a:noFill/>
+              </a:ln>
+              <a:effectLst/>
+            </c:spPr>
+            <c:txPr>
+              <a:bodyPr rot="0" spcFirstLastPara="1" vertOverflow="ellipsis" vert="horz" wrap="square" lIns="38100" tIns="19050" rIns="38100" bIns="19050" anchor="ctr" anchorCtr="1">
+                <a:spAutoFit/>
+              </a:bodyPr>
+              <a:lstStyle/>
+              <a:p>
+                <a:pPr>
+                  <a:defRPr sz="1197" b="0" i="0" u="none" strike="noStrike" kern="1200" baseline="0">
+                    <a:solidFill>
+                      <a:schemeClr val="tx1">
+                        <a:lumMod val="75000"/>
+                        <a:lumOff val="25000"/>
+                      </a:schemeClr>
+                    </a:solidFill>
+                    <a:latin typeface="+mn-lt"/>
+                    <a:ea typeface="+mn-ea"/>
+                    <a:cs typeface="+mn-cs"/>
+                  </a:defRPr>
+                </a:pPr>
+                <a:endParaRPr lang="en-US"/>
+              </a:p>
+            </c:txPr>
+            <c:dLblPos val="bestFit"/>
+            <c:showLegendKey val="0"/>
+            <c:showVal val="1"/>
+            <c:showCatName val="0"/>
+            <c:showSerName val="0"/>
+            <c:showPercent val="0"/>
+            <c:showBubbleSize val="0"/>
+            <c:showLeaderLines val="1"/>
+            <c:leaderLines>
+              <c:spPr>
+                <a:ln w="9525" cap="flat" cmpd="sng" algn="ctr">
+                  <a:solidFill>
+                    <a:schemeClr val="tx1">
+                      <a:lumMod val="35000"/>
+                      <a:lumOff val="65000"/>
+                    </a:schemeClr>
+                  </a:solidFill>
+                  <a:round/>
+                </a:ln>
+                <a:effectLst/>
+              </c:spPr>
+            </c:leaderLines>
+            <c:extLst>
+              <c:ext xmlns:c15="http://schemas.microsoft.com/office/drawing/2012/chart" uri="{CE6537A1-D6FC-4f65-9D91-7224C49458BB}"/>
+            </c:extLst>
+          </c:dLbls>
+          <c:cat>
+            <c:strRef>
+              <c:f>Sheet1!$A$2:$A$6</c:f>
+              <c:strCache>
+                <c:ptCount val="5"/>
+                <c:pt idx="0">
+                  <c:v>Power BI</c:v>
+                </c:pt>
+                <c:pt idx="1">
+                  <c:v>Tableau</c:v>
+                </c:pt>
+                <c:pt idx="2">
+                  <c:v>Notion</c:v>
+                </c:pt>
+                <c:pt idx="3">
+                  <c:v>SAP Crystal Solutions</c:v>
+                </c:pt>
+                <c:pt idx="4">
+                  <c:v>Net Suite</c:v>
+                </c:pt>
+              </c:strCache>
+            </c:strRef>
+          </c:cat>
+          <c:val>
+            <c:numRef>
+              <c:f>Sheet1!$B$2:$B$6</c:f>
+              <c:numCache>
+                <c:formatCode>General</c:formatCode>
+                <c:ptCount val="5"/>
+                <c:pt idx="0">
+                  <c:v>23.07</c:v>
+                </c:pt>
+                <c:pt idx="1">
+                  <c:v>17.82</c:v>
+                </c:pt>
+                <c:pt idx="2">
+                  <c:v>7.18</c:v>
+                </c:pt>
+                <c:pt idx="3">
+                  <c:v>5.51</c:v>
+                </c:pt>
+                <c:pt idx="4">
+                  <c:v>5.72</c:v>
+                </c:pt>
+              </c:numCache>
+            </c:numRef>
+          </c:val>
+          <c:extLst>
+            <c:ext xmlns:c16="http://schemas.microsoft.com/office/drawing/2014/chart" uri="{C3380CC4-5D6E-409C-BE32-E72D297353CC}">
+              <c16:uniqueId val="{00000000-2FD8-4DAB-91C0-0DE1C65C3C36}"/>
+            </c:ext>
+          </c:extLst>
+        </c:ser>
+        <c:dLbls>
+          <c:showLegendKey val="0"/>
+          <c:showVal val="0"/>
+          <c:showCatName val="0"/>
+          <c:showSerName val="0"/>
+          <c:showPercent val="0"/>
+          <c:showBubbleSize val="0"/>
+          <c:showLeaderLines val="1"/>
+        </c:dLbls>
+        <c:firstSliceAng val="0"/>
+      </c:pieChart>
+      <c:spPr>
+        <a:noFill/>
+        <a:ln>
+          <a:noFill/>
+        </a:ln>
+        <a:effectLst/>
+      </c:spPr>
+    </c:plotArea>
+    <c:legend>
+      <c:legendPos val="r"/>
+      <c:overlay val="0"/>
+      <c:spPr>
+        <a:noFill/>
+        <a:ln>
+          <a:noFill/>
+        </a:ln>
+        <a:effectLst/>
+      </c:spPr>
+      <c:txPr>
+        <a:bodyPr rot="0" spcFirstLastPara="1" vertOverflow="ellipsis" vert="horz" wrap="square" anchor="ctr" anchorCtr="1"/>
+        <a:lstStyle/>
+        <a:p>
+          <a:pPr>
+            <a:defRPr sz="1197" b="0" i="0" u="none" strike="noStrike" kern="1200" baseline="0">
+              <a:solidFill>
+                <a:schemeClr val="tx1">
+                  <a:lumMod val="65000"/>
+                  <a:lumOff val="35000"/>
+                </a:schemeClr>
+              </a:solidFill>
+              <a:latin typeface="+mn-lt"/>
+              <a:ea typeface="+mn-ea"/>
+              <a:cs typeface="+mn-cs"/>
+            </a:defRPr>
+          </a:pPr>
+          <a:endParaRPr lang="en-US"/>
+        </a:p>
+      </c:txPr>
+    </c:legend>
+    <c:plotVisOnly val="1"/>
+    <c:dispBlanksAs val="gap"/>
+    <c:extLst>
+      <c:ext xmlns:c16r3="http://schemas.microsoft.com/office/drawing/2017/03/chart" uri="{56B9EC1D-385E-4148-901F-78D8002777C0}">
+        <c16r3:dataDisplayOptions16>
+          <c16r3:dispNaAsBlank val="1"/>
+        </c16r3:dataDisplayOptions16>
+      </c:ext>
+    </c:extLst>
+    <c:showDLblsOverMax val="0"/>
+  </c:chart>
+  <c:spPr>
+    <a:noFill/>
+    <a:ln>
+      <a:noFill/>
+    </a:ln>
+    <a:effectLst/>
+  </c:spPr>
+  <c:txPr>
+    <a:bodyPr/>
+    <a:lstStyle/>
+    <a:p>
+      <a:pPr>
+        <a:defRPr/>
+      </a:pPr>
+      <a:endParaRPr lang="en-US"/>
+    </a:p>
+  </c:txPr>
+  <c:externalData r:id="rId3">
+    <c:autoUpdate val="0"/>
+  </c:externalData>
+</c:chartSpace>
+</file>
+
+<file path=ppt/charts/colors1.xml><?xml version="1.0" encoding="utf-8"?>
+<cs:colorStyle xmlns:cs="http://schemas.microsoft.com/office/drawing/2012/chartStyle" xmlns:a="http://schemas.openxmlformats.org/drawingml/2006/main" meth="cycle" id="10">
+  <a:schemeClr val="accent1"/>
+  <a:schemeClr val="accent2"/>
+  <a:schemeClr val="accent3"/>
+  <a:schemeClr val="accent4"/>
+  <a:schemeClr val="accent5"/>
+  <a:schemeClr val="accent6"/>
+  <cs:variation/>
+  <cs:variation>
+    <a:lumMod val="60000"/>
+  </cs:variation>
+  <cs:variation>
+    <a:lumMod val="80000"/>
+    <a:lumOff val="20000"/>
+  </cs:variation>
+  <cs:variation>
+    <a:lumMod val="80000"/>
+  </cs:variation>
+  <cs:variation>
+    <a:lumMod val="60000"/>
+    <a:lumOff val="40000"/>
+  </cs:variation>
+  <cs:variation>
+    <a:lumMod val="50000"/>
+  </cs:variation>
+  <cs:variation>
+    <a:lumMod val="70000"/>
+    <a:lumOff val="30000"/>
+  </cs:variation>
+  <cs:variation>
+    <a:lumMod val="70000"/>
+  </cs:variation>
+  <cs:variation>
+    <a:lumMod val="50000"/>
+    <a:lumOff val="50000"/>
+  </cs:variation>
+</cs:colorStyle>
+</file>
+
+<file path=ppt/charts/style1.xml><?xml version="1.0" encoding="utf-8"?>
+<cs:chartStyle xmlns:cs="http://schemas.microsoft.com/office/drawing/2012/chartStyle" xmlns:a="http://schemas.openxmlformats.org/drawingml/2006/main" id="251">
+  <cs:axisTitle>
+    <cs:lnRef idx="0"/>
+    <cs:fillRef idx="0"/>
+    <cs:effectRef idx="0"/>
+    <cs:fontRef idx="minor">
+      <a:schemeClr val="tx1">
+        <a:lumMod val="65000"/>
+        <a:lumOff val="35000"/>
+      </a:schemeClr>
+    </cs:fontRef>
+    <cs:defRPr sz="1330" kern="1200"/>
+  </cs:axisTitle>
+  <cs:categoryAxis>
+    <cs:lnRef idx="0"/>
+    <cs:fillRef idx="0"/>
+    <cs:effectRef idx="0"/>
+    <cs:fontRef idx="minor">
+      <a:schemeClr val="tx1">
+        <a:lumMod val="65000"/>
+        <a:lumOff val="35000"/>
+      </a:schemeClr>
+    </cs:fontRef>
+    <cs:spPr>
+      <a:ln w="9525" cap="flat" cmpd="sng" algn="ctr">
+        <a:solidFill>
+          <a:schemeClr val="tx1">
+            <a:lumMod val="15000"/>
+            <a:lumOff val="85000"/>
+          </a:schemeClr>
+        </a:solidFill>
+        <a:round/>
+      </a:ln>
+    </cs:spPr>
+    <cs:defRPr sz="1197" kern="1200"/>
+  </cs:categoryAxis>
+  <cs:chartArea mods="allowNoFillOverride allowNoLineOverride">
+    <cs:lnRef idx="0"/>
+    <cs:fillRef idx="0"/>
+    <cs:effectRef idx="0"/>
+    <cs:fontRef idx="minor">
+      <a:schemeClr val="tx1"/>
+    </cs:fontRef>
+    <cs:spPr>
+      <a:solidFill>
+        <a:schemeClr val="bg1"/>
+      </a:solidFill>
+      <a:ln w="9525" cap="flat" cmpd="sng" algn="ctr">
+        <a:solidFill>
+          <a:schemeClr val="tx1">
+            <a:lumMod val="15000"/>
+            <a:lumOff val="85000"/>
+          </a:schemeClr>
+        </a:solidFill>
+        <a:round/>
+      </a:ln>
+    </cs:spPr>
+    <cs:defRPr sz="1197" kern="1200"/>
+  </cs:chartArea>
+  <cs:dataLabel>
+    <cs:lnRef idx="0"/>
+    <cs:fillRef idx="0"/>
+    <cs:effectRef idx="0"/>
+    <cs:fontRef idx="minor">
+      <a:schemeClr val="tx1">
+        <a:lumMod val="75000"/>
+        <a:lumOff val="25000"/>
+      </a:schemeClr>
+    </cs:fontRef>
+    <cs:defRPr sz="1197" kern="1200"/>
+  </cs:dataLabel>
+  <cs:dataLabelCallout>
+    <cs:lnRef idx="0"/>
+    <cs:fillRef idx="0"/>
+    <cs:effectRef idx="0"/>
+    <cs:fontRef idx="minor">
+      <a:schemeClr val="dk1">
+        <a:lumMod val="65000"/>
+        <a:lumOff val="35000"/>
+      </a:schemeClr>
+    </cs:fontRef>
+    <cs:spPr>
+      <a:solidFill>
+        <a:schemeClr val="lt1"/>
+      </a:solidFill>
+      <a:ln>
+        <a:solidFill>
+          <a:schemeClr val="dk1">
+            <a:lumMod val="25000"/>
+            <a:lumOff val="75000"/>
+          </a:schemeClr>
+        </a:solidFill>
+      </a:ln>
+    </cs:spPr>
+    <cs:defRPr sz="1197" kern="1200"/>
+    <cs:bodyPr rot="0" spcFirstLastPara="1" vertOverflow="clip" horzOverflow="clip" vert="horz" wrap="square" lIns="36576" tIns="18288" rIns="36576" bIns="18288" anchor="ctr" anchorCtr="1">
+      <a:spAutoFit/>
+    </cs:bodyPr>
+  </cs:dataLabelCallout>
+  <cs:dataPoint>
+    <cs:lnRef idx="0"/>
+    <cs:fillRef idx="1">
+      <cs:styleClr val="auto"/>
+    </cs:fillRef>
+    <cs:effectRef idx="0"/>
+    <cs:fontRef idx="minor">
+      <a:schemeClr val="tx1"/>
+    </cs:fontRef>
+    <cs:spPr>
+      <a:ln w="19050">
+        <a:solidFill>
+          <a:schemeClr val="lt1"/>
+        </a:solidFill>
+      </a:ln>
+    </cs:spPr>
+  </cs:dataPoint>
+  <cs:dataPoint3D>
+    <cs:lnRef idx="0"/>
+    <cs:fillRef idx="1">
+      <cs:styleClr val="auto"/>
+    </cs:fillRef>
+    <cs:effectRef idx="0"/>
+    <cs:fontRef idx="minor">
+      <a:schemeClr val="tx1"/>
+    </cs:fontRef>
+    <cs:spPr>
+      <a:ln w="25400">
+        <a:solidFill>
+          <a:schemeClr val="lt1"/>
+        </a:solidFill>
+      </a:ln>
+    </cs:spPr>
+  </cs:dataPoint3D>
+  <cs:dataPointLine>
+    <cs:lnRef idx="0">
+      <cs:styleClr val="auto"/>
+    </cs:lnRef>
+    <cs:fillRef idx="0"/>
+    <cs:effectRef idx="0"/>
+    <cs:fontRef idx="minor">
+      <a:schemeClr val="tx1"/>
+    </cs:fontRef>
+    <cs:spPr>
+      <a:ln w="28575" cap="rnd">
+        <a:solidFill>
+          <a:schemeClr val="phClr"/>
+        </a:solidFill>
+        <a:round/>
+      </a:ln>
+    </cs:spPr>
+  </cs:dataPointLine>
+  <cs:dataPointMarker>
+    <cs:lnRef idx="0">
+      <cs:styleClr val="auto"/>
+    </cs:lnRef>
+    <cs:fillRef idx="1">
+      <cs:styleClr val="auto"/>
+    </cs:fillRef>
+    <cs:effectRef idx="0"/>
+    <cs:fontRef idx="minor">
+      <a:schemeClr val="tx1"/>
+    </cs:fontRef>
+    <cs:spPr>
+      <a:ln w="9525">
+        <a:solidFill>
+          <a:schemeClr val="phClr"/>
+        </a:solidFill>
+      </a:ln>
+    </cs:spPr>
+  </cs:dataPointMarker>
+  <cs:dataPointMarkerLayout symbol="circle" size="5"/>
+  <cs:dataPointWireframe>
+    <cs:lnRef idx="0">
+      <cs:styleClr val="auto"/>
+    </cs:lnRef>
+    <cs:fillRef idx="0"/>
+    <cs:effectRef idx="0"/>
+    <cs:fontRef idx="minor">
+      <a:schemeClr val="tx1"/>
+    </cs:fontRef>
+    <cs:spPr>
+      <a:ln w="9525" cap="rnd">
+        <a:solidFill>
+          <a:schemeClr val="phClr"/>
+        </a:solidFill>
+        <a:round/>
+      </a:ln>
+    </cs:spPr>
+  </cs:dataPointWireframe>
+  <cs:dataTable>
+    <cs:lnRef idx="0"/>
+    <cs:fillRef idx="0"/>
+    <cs:effectRef idx="0"/>
+    <cs:fontRef idx="minor">
+      <a:schemeClr val="tx1">
+        <a:lumMod val="65000"/>
+        <a:lumOff val="35000"/>
+      </a:schemeClr>
+    </cs:fontRef>
+    <cs:spPr>
+      <a:noFill/>
+      <a:ln w="9525" cap="flat" cmpd="sng" algn="ctr">
+        <a:solidFill>
+          <a:schemeClr val="tx1">
+            <a:lumMod val="15000"/>
+            <a:lumOff val="85000"/>
+          </a:schemeClr>
+        </a:solidFill>
+        <a:round/>
+      </a:ln>
+    </cs:spPr>
+    <cs:defRPr sz="1197" kern="1200"/>
+  </cs:dataTable>
+  <cs:downBar>
+    <cs:lnRef idx="0"/>
+    <cs:fillRef idx="0"/>
+    <cs:effectRef idx="0"/>
+    <cs:fontRef idx="minor">
+      <a:schemeClr val="tx1"/>
+    </cs:fontRef>
+    <cs:spPr>
+      <a:solidFill>
+        <a:schemeClr val="dk1">
+          <a:lumMod val="75000"/>
+          <a:lumOff val="25000"/>
+        </a:schemeClr>
+      </a:solidFill>
+      <a:ln w="9525" cap="flat" cmpd="sng" algn="ctr">
+        <a:solidFill>
+          <a:schemeClr val="tx1">
+            <a:lumMod val="65000"/>
+            <a:lumOff val="35000"/>
+          </a:schemeClr>
+        </a:solidFill>
+        <a:round/>
+      </a:ln>
+    </cs:spPr>
+  </cs:downBar>
+  <cs:dropLine>
+    <cs:lnRef idx="0"/>
+    <cs:fillRef idx="0"/>
+    <cs:effectRef idx="0"/>
+    <cs:fontRef idx="minor">
+      <a:schemeClr val="tx1"/>
+    </cs:fontRef>
+    <cs:spPr>
+      <a:ln w="9525" cap="flat" cmpd="sng" algn="ctr">
+        <a:solidFill>
+          <a:schemeClr val="tx1">
+            <a:lumMod val="35000"/>
+            <a:lumOff val="65000"/>
+          </a:schemeClr>
+        </a:solidFill>
+        <a:round/>
+      </a:ln>
+    </cs:spPr>
+  </cs:dropLine>
+  <cs:errorBar>
+    <cs:lnRef idx="0"/>
+    <cs:fillRef idx="0"/>
+    <cs:effectRef idx="0"/>
+    <cs:fontRef idx="minor">
+      <a:schemeClr val="tx1"/>
+    </cs:fontRef>
+    <cs:spPr>
+      <a:ln w="9525" cap="flat" cmpd="sng" algn="ctr">
+        <a:solidFill>
+          <a:schemeClr val="tx1">
+            <a:lumMod val="65000"/>
+            <a:lumOff val="35000"/>
+          </a:schemeClr>
+        </a:solidFill>
+        <a:round/>
+      </a:ln>
+    </cs:spPr>
+  </cs:errorBar>
+  <cs:floor>
+    <cs:lnRef idx="0"/>
+    <cs:fillRef idx="0"/>
+    <cs:effectRef idx="0"/>
+    <cs:fontRef idx="minor">
+      <a:schemeClr val="tx1"/>
+    </cs:fontRef>
+    <cs:spPr>
+      <a:noFill/>
+      <a:ln>
+        <a:noFill/>
+      </a:ln>
+    </cs:spPr>
+  </cs:floor>
+  <cs:gridlineMajor>
+    <cs:lnRef idx="0"/>
+    <cs:fillRef idx="0"/>
+    <cs:effectRef idx="0"/>
+    <cs:fontRef idx="minor">
+      <a:schemeClr val="tx1"/>
+    </cs:fontRef>
+    <cs:spPr>
+      <a:ln w="9525" cap="flat" cmpd="sng" algn="ctr">
+        <a:solidFill>
+          <a:schemeClr val="tx1">
+            <a:lumMod val="15000"/>
+            <a:lumOff val="85000"/>
+          </a:schemeClr>
+        </a:solidFill>
+        <a:round/>
+      </a:ln>
+    </cs:spPr>
+  </cs:gridlineMajor>
+  <cs:gridlineMinor>
+    <cs:lnRef idx="0"/>
+    <cs:fillRef idx="0"/>
+    <cs:effectRef idx="0"/>
+    <cs:fontRef idx="minor">
+      <a:schemeClr val="tx1"/>
+    </cs:fontRef>
+    <cs:spPr>
+      <a:ln w="9525" cap="flat" cmpd="sng" algn="ctr">
+        <a:solidFill>
+          <a:schemeClr val="tx1">
+            <a:lumMod val="5000"/>
+            <a:lumOff val="95000"/>
+          </a:schemeClr>
+        </a:solidFill>
+        <a:round/>
+      </a:ln>
+    </cs:spPr>
+  </cs:gridlineMinor>
+  <cs:hiLoLine>
+    <cs:lnRef idx="0"/>
+    <cs:fillRef idx="0"/>
+    <cs:effectRef idx="0"/>
+    <cs:fontRef idx="minor">
+      <a:schemeClr val="tx1"/>
+    </cs:fontRef>
+    <cs:spPr>
+      <a:ln w="9525" cap="flat" cmpd="sng" algn="ctr">
+        <a:solidFill>
+          <a:schemeClr val="tx1">
+            <a:lumMod val="50000"/>
+            <a:lumOff val="50000"/>
+          </a:schemeClr>
+        </a:solidFill>
+        <a:round/>
+      </a:ln>
+    </cs:spPr>
+  </cs:hiLoLine>
+  <cs:leaderLine>
+    <cs:lnRef idx="0"/>
+    <cs:fillRef idx="0"/>
+    <cs:effectRef idx="0"/>
+    <cs:fontRef idx="minor">
+      <a:schemeClr val="tx1"/>
+    </cs:fontRef>
+    <cs:spPr>
+      <a:ln w="9525" cap="flat" cmpd="sng" algn="ctr">
+        <a:solidFill>
+          <a:schemeClr val="tx1">
+            <a:lumMod val="35000"/>
+            <a:lumOff val="65000"/>
+          </a:schemeClr>
+        </a:solidFill>
+        <a:round/>
+      </a:ln>
+    </cs:spPr>
+  </cs:leaderLine>
+  <cs:legend>
+    <cs:lnRef idx="0"/>
+    <cs:fillRef idx="0"/>
+    <cs:effectRef idx="0"/>
+    <cs:fontRef idx="minor">
+      <a:schemeClr val="tx1">
+        <a:lumMod val="65000"/>
+        <a:lumOff val="35000"/>
+      </a:schemeClr>
+    </cs:fontRef>
+    <cs:defRPr sz="1197" kern="1200"/>
+  </cs:legend>
+  <cs:plotArea mods="allowNoFillOverride allowNoLineOverride">
+    <cs:lnRef idx="0"/>
+    <cs:fillRef idx="0"/>
+    <cs:effectRef idx="0"/>
+    <cs:fontRef idx="minor">
+      <a:schemeClr val="tx1"/>
+    </cs:fontRef>
+  </cs:plotArea>
+  <cs:plotArea3D mods="allowNoFillOverride allowNoLineOverride">
+    <cs:lnRef idx="0"/>
+    <cs:fillRef idx="0"/>
+    <cs:effectRef idx="0"/>
+    <cs:fontRef idx="minor">
+      <a:schemeClr val="tx1"/>
+    </cs:fontRef>
+  </cs:plotArea3D>
+  <cs:seriesAxis>
+    <cs:lnRef idx="0"/>
+    <cs:fillRef idx="0"/>
+    <cs:effectRef idx="0"/>
+    <cs:fontRef idx="minor">
+      <a:schemeClr val="tx1">
+        <a:lumMod val="65000"/>
+        <a:lumOff val="35000"/>
+      </a:schemeClr>
+    </cs:fontRef>
+    <cs:defRPr sz="1197" kern="1200"/>
+  </cs:seriesAxis>
+  <cs:seriesLine>
+    <cs:lnRef idx="0"/>
+    <cs:fillRef idx="0"/>
+    <cs:effectRef idx="0"/>
+    <cs:fontRef idx="minor">
+      <a:schemeClr val="tx1"/>
+    </cs:fontRef>
+    <cs:spPr>
+      <a:ln w="9525" cap="flat" cmpd="sng" algn="ctr">
+        <a:solidFill>
+          <a:schemeClr val="tx1">
+            <a:lumMod val="35000"/>
+            <a:lumOff val="65000"/>
+          </a:schemeClr>
+        </a:solidFill>
+        <a:round/>
+      </a:ln>
+    </cs:spPr>
+  </cs:seriesLine>
+  <cs:title>
+    <cs:lnRef idx="0"/>
+    <cs:fillRef idx="0"/>
+    <cs:effectRef idx="0"/>
+    <cs:fontRef idx="minor">
+      <a:schemeClr val="tx1">
+        <a:lumMod val="65000"/>
+        <a:lumOff val="35000"/>
+      </a:schemeClr>
+    </cs:fontRef>
+    <cs:defRPr sz="1862" b="0" kern="1200" spc="0" baseline="0"/>
+  </cs:title>
+  <cs:trendline>
+    <cs:lnRef idx="0">
+      <cs:styleClr val="auto"/>
+    </cs:lnRef>
+    <cs:fillRef idx="0"/>
+    <cs:effectRef idx="0"/>
+    <cs:fontRef idx="minor">
+      <a:schemeClr val="tx1"/>
+    </cs:fontRef>
+    <cs:spPr>
+      <a:ln w="19050" cap="rnd">
+        <a:solidFill>
+          <a:schemeClr val="phClr"/>
+        </a:solidFill>
+        <a:prstDash val="sysDot"/>
+      </a:ln>
+    </cs:spPr>
+  </cs:trendline>
+  <cs:trendlineLabel>
+    <cs:lnRef idx="0"/>
+    <cs:fillRef idx="0"/>
+    <cs:effectRef idx="0"/>
+    <cs:fontRef idx="minor">
+      <a:schemeClr val="tx1">
+        <a:lumMod val="65000"/>
+        <a:lumOff val="35000"/>
+      </a:schemeClr>
+    </cs:fontRef>
+    <cs:defRPr sz="1197" kern="1200"/>
+  </cs:trendlineLabel>
+  <cs:upBar>
+    <cs:lnRef idx="0"/>
+    <cs:fillRef idx="0"/>
+    <cs:effectRef idx="0"/>
+    <cs:fontRef idx="minor">
+      <a:schemeClr val="tx1"/>
+    </cs:fontRef>
+    <cs:spPr>
+      <a:solidFill>
+        <a:schemeClr val="lt1"/>
+      </a:solidFill>
+      <a:ln w="9525" cap="flat" cmpd="sng" algn="ctr">
+        <a:solidFill>
+          <a:schemeClr val="tx1">
+            <a:lumMod val="65000"/>
+            <a:lumOff val="35000"/>
+          </a:schemeClr>
+        </a:solidFill>
+        <a:round/>
+      </a:ln>
+    </cs:spPr>
+  </cs:upBar>
+  <cs:valueAxis>
+    <cs:lnRef idx="0"/>
+    <cs:fillRef idx="0"/>
+    <cs:effectRef idx="0"/>
+    <cs:fontRef idx="minor">
+      <a:schemeClr val="tx1">
+        <a:lumMod val="65000"/>
+        <a:lumOff val="35000"/>
+      </a:schemeClr>
+    </cs:fontRef>
+    <cs:defRPr sz="1197" kern="1200"/>
+  </cs:valueAxis>
+  <cs:wall>
+    <cs:lnRef idx="0"/>
+    <cs:fillRef idx="0"/>
+    <cs:effectRef idx="0"/>
+    <cs:fontRef idx="minor">
+      <a:schemeClr val="tx1"/>
+    </cs:fontRef>
+    <cs:spPr>
+      <a:noFill/>
+      <a:ln>
+        <a:noFill/>
+      </a:ln>
+    </cs:spPr>
+  </cs:wall>
+</cs:chartStyle>
 </file>
 
 <file path=ppt/notesMasters/notesMaster1.xml><?xml version="1.0" encoding="utf-8"?>
@@ -582,6 +1520,483 @@
     <p:extLst>
       <p:ext uri="{BB962C8B-B14F-4D97-AF65-F5344CB8AC3E}">
         <p14:creationId xmlns:p14="http://schemas.microsoft.com/office/powerpoint/2010/main" val="241232304"/>
+      </p:ext>
+    </p:extLst>
+  </p:cSld>
+  <p:clrMapOvr>
+    <a:masterClrMapping/>
+  </p:clrMapOvr>
+</p:notes>
+</file>
+
+<file path=ppt/notesSlides/notesSlide2.xml><?xml version="1.0" encoding="utf-8"?>
+<p:notes xmlns:a="http://schemas.openxmlformats.org/drawingml/2006/main" xmlns:r="http://schemas.openxmlformats.org/officeDocument/2006/relationships" xmlns:p="http://schemas.openxmlformats.org/presentationml/2006/main">
+  <p:cSld>
+    <p:spTree>
+      <p:nvGrpSpPr>
+        <p:cNvPr id="1" name=""/>
+        <p:cNvGrpSpPr/>
+        <p:nvPr/>
+      </p:nvGrpSpPr>
+      <p:grpSpPr>
+        <a:xfrm>
+          <a:off x="0" y="0"/>
+          <a:ext cx="0" cy="0"/>
+          <a:chOff x="0" y="0"/>
+          <a:chExt cx="0" cy="0"/>
+        </a:xfrm>
+      </p:grpSpPr>
+      <p:sp>
+        <p:nvSpPr>
+          <p:cNvPr id="2" name="Slide Image Placeholder 1"/>
+          <p:cNvSpPr>
+            <a:spLocks noGrp="1" noRot="1" noChangeAspect="1"/>
+          </p:cNvSpPr>
+          <p:nvPr>
+            <p:ph type="sldImg"/>
+          </p:nvPr>
+        </p:nvSpPr>
+        <p:spPr/>
+      </p:sp>
+      <p:sp>
+        <p:nvSpPr>
+          <p:cNvPr id="3" name="Notes Placeholder 2"/>
+          <p:cNvSpPr>
+            <a:spLocks noGrp="1"/>
+          </p:cNvSpPr>
+          <p:nvPr>
+            <p:ph type="body" idx="1"/>
+          </p:nvPr>
+        </p:nvSpPr>
+        <p:spPr/>
+        <p:txBody>
+          <a:bodyPr/>
+          <a:lstStyle/>
+          <a:p>
+            <a:r>
+              <a:rPr lang="en-US" dirty="0"/>
+              <a:t>Why Power BI Dominates</a:t>
+            </a:r>
+          </a:p>
+          <a:p>
+            <a:r>
+              <a:rPr lang="en-US" dirty="0"/>
+              <a:t>Based on industry analysis and usage trends:</a:t>
+            </a:r>
+          </a:p>
+          <a:p>
+            <a:r>
+              <a:rPr lang="en-US" dirty="0"/>
+              <a:t>• 	Deep integration with Microsoft 365 and Azure</a:t>
+            </a:r>
+          </a:p>
+          <a:p>
+            <a:r>
+              <a:rPr lang="en-US" dirty="0"/>
+              <a:t>• 	Lower cost of entry compared to Tableau and Qlik</a:t>
+            </a:r>
+          </a:p>
+          <a:p>
+            <a:r>
+              <a:rPr lang="en-US" dirty="0"/>
+              <a:t>• 	Strong enterprise adoption</a:t>
+            </a:r>
+          </a:p>
+          <a:p>
+            <a:r>
+              <a:rPr lang="en-US" dirty="0"/>
+              <a:t>• 	Rapid feature updates</a:t>
+            </a:r>
+          </a:p>
+          <a:p>
+            <a:r>
+              <a:rPr lang="en-US" dirty="0"/>
+              <a:t>• 	Part of Microsoft Fabric, expanding its role in end‑to‑end analytics</a:t>
+            </a:r>
+          </a:p>
+          <a:p>
+            <a:endParaRPr lang="en-US" dirty="0"/>
+          </a:p>
+          <a:p>
+            <a:r>
+              <a:rPr lang="en-US" dirty="0"/>
+              <a:t>What This Means</a:t>
+            </a:r>
+          </a:p>
+          <a:p>
+            <a:r>
+              <a:rPr lang="en-US" dirty="0"/>
+              <a:t>Power BI’s market leadership signals:</a:t>
+            </a:r>
+          </a:p>
+          <a:p>
+            <a:r>
+              <a:rPr lang="en-US" dirty="0"/>
+              <a:t>• 	High demand for self‑service analytics</a:t>
+            </a:r>
+          </a:p>
+          <a:p>
+            <a:r>
+              <a:rPr lang="en-US" dirty="0"/>
+              <a:t>• 	Strong adoption across small businesses and large enterprises</a:t>
+            </a:r>
+          </a:p>
+          <a:p>
+            <a:r>
+              <a:rPr lang="en-US" dirty="0"/>
+              <a:t>• 	A growing ecosystem of training, community support, and integrations</a:t>
+            </a:r>
+            <a:endParaRPr lang="en-GB" dirty="0"/>
+          </a:p>
+        </p:txBody>
+      </p:sp>
+      <p:sp>
+        <p:nvSpPr>
+          <p:cNvPr id="4" name="Slide Number Placeholder 3"/>
+          <p:cNvSpPr>
+            <a:spLocks noGrp="1"/>
+          </p:cNvSpPr>
+          <p:nvPr>
+            <p:ph type="sldNum" sz="quarter" idx="5"/>
+          </p:nvPr>
+        </p:nvSpPr>
+        <p:spPr/>
+        <p:txBody>
+          <a:bodyPr/>
+          <a:lstStyle/>
+          <a:p>
+            <a:fld id="{151FDF57-A14F-48D9-9E69-604C729D1E50}" type="slidenum">
+              <a:rPr lang="en-GB" smtClean="0"/>
+              <a:t>5</a:t>
+            </a:fld>
+            <a:endParaRPr lang="en-GB"/>
+          </a:p>
+        </p:txBody>
+      </p:sp>
+    </p:spTree>
+    <p:extLst>
+      <p:ext uri="{BB962C8B-B14F-4D97-AF65-F5344CB8AC3E}">
+        <p14:creationId xmlns:p14="http://schemas.microsoft.com/office/powerpoint/2010/main" val="999264076"/>
+      </p:ext>
+    </p:extLst>
+  </p:cSld>
+  <p:clrMapOvr>
+    <a:masterClrMapping/>
+  </p:clrMapOvr>
+</p:notes>
+</file>
+
+<file path=ppt/notesSlides/notesSlide3.xml><?xml version="1.0" encoding="utf-8"?>
+<p:notes xmlns:a="http://schemas.openxmlformats.org/drawingml/2006/main" xmlns:r="http://schemas.openxmlformats.org/officeDocument/2006/relationships" xmlns:p="http://schemas.openxmlformats.org/presentationml/2006/main">
+  <p:cSld>
+    <p:spTree>
+      <p:nvGrpSpPr>
+        <p:cNvPr id="1" name=""/>
+        <p:cNvGrpSpPr/>
+        <p:nvPr/>
+      </p:nvGrpSpPr>
+      <p:grpSpPr>
+        <a:xfrm>
+          <a:off x="0" y="0"/>
+          <a:ext cx="0" cy="0"/>
+          <a:chOff x="0" y="0"/>
+          <a:chExt cx="0" cy="0"/>
+        </a:xfrm>
+      </p:grpSpPr>
+      <p:sp>
+        <p:nvSpPr>
+          <p:cNvPr id="2" name="Slide Image Placeholder 1"/>
+          <p:cNvSpPr>
+            <a:spLocks noGrp="1" noRot="1" noChangeAspect="1"/>
+          </p:cNvSpPr>
+          <p:nvPr>
+            <p:ph type="sldImg"/>
+          </p:nvPr>
+        </p:nvSpPr>
+        <p:spPr/>
+      </p:sp>
+      <p:sp>
+        <p:nvSpPr>
+          <p:cNvPr id="3" name="Notes Placeholder 2"/>
+          <p:cNvSpPr>
+            <a:spLocks noGrp="1"/>
+          </p:cNvSpPr>
+          <p:nvPr>
+            <p:ph type="body" idx="1"/>
+          </p:nvPr>
+        </p:nvSpPr>
+        <p:spPr/>
+        <p:txBody>
+          <a:bodyPr/>
+          <a:lstStyle/>
+          <a:p>
+            <a:r>
+              <a:rPr lang="en-US" dirty="0"/>
+              <a:t>Power BI</a:t>
+            </a:r>
+          </a:p>
+          <a:p>
+            <a:r>
+              <a:rPr lang="en-US" dirty="0"/>
+              <a:t>Power BI Pro</a:t>
+            </a:r>
+          </a:p>
+          <a:p>
+            <a:r>
+              <a:rPr lang="en-US" dirty="0"/>
+              <a:t>- £10.80 per user/month</a:t>
+            </a:r>
+          </a:p>
+          <a:p>
+            <a:r>
+              <a:rPr lang="en-US" dirty="0"/>
+              <a:t>- Full authoring + sharing capabilities</a:t>
+            </a:r>
+          </a:p>
+          <a:p>
+            <a:r>
+              <a:rPr lang="en-US" dirty="0"/>
+              <a:t>- Most common </a:t>
+            </a:r>
+            <a:r>
+              <a:rPr lang="en-US" dirty="0" err="1"/>
+              <a:t>licence</a:t>
+            </a:r>
+            <a:r>
+              <a:rPr lang="en-US" dirty="0"/>
+              <a:t> for individual analysts</a:t>
+            </a:r>
+          </a:p>
+          <a:p>
+            <a:r>
+              <a:rPr lang="en-US" dirty="0"/>
+              <a:t>Power BI Premium Per User (PPU)</a:t>
+            </a:r>
+          </a:p>
+          <a:p>
+            <a:r>
+              <a:rPr lang="en-US" dirty="0"/>
+              <a:t>- £18.50 per user/month</a:t>
+            </a:r>
+          </a:p>
+          <a:p>
+            <a:r>
+              <a:rPr lang="en-US" dirty="0"/>
+              <a:t>- Adds advanced AI, larger datasets, and Premium features</a:t>
+            </a:r>
+          </a:p>
+          <a:p>
+            <a:r>
+              <a:rPr lang="en-US" dirty="0"/>
+              <a:t>Lowest entry cost: £10.80/month</a:t>
+            </a:r>
+          </a:p>
+          <a:p>
+            <a:endParaRPr lang="en-US" dirty="0"/>
+          </a:p>
+          <a:p>
+            <a:r>
+              <a:rPr lang="en-US" dirty="0"/>
+              <a:t>Tableau</a:t>
+            </a:r>
+          </a:p>
+          <a:p>
+            <a:r>
+              <a:rPr lang="en-US" dirty="0"/>
+              <a:t>Tableau </a:t>
+            </a:r>
+            <a:r>
+              <a:rPr lang="en-US" dirty="0" err="1"/>
+              <a:t>licences</a:t>
+            </a:r>
+            <a:r>
+              <a:rPr lang="en-US" dirty="0"/>
+              <a:t> are split into three roles:</a:t>
+            </a:r>
+          </a:p>
+          <a:p>
+            <a:r>
+              <a:rPr lang="en-US" dirty="0"/>
+              <a:t>Tableau Creator</a:t>
+            </a:r>
+          </a:p>
+          <a:p>
+            <a:r>
+              <a:rPr lang="en-US" dirty="0"/>
+              <a:t>• 	~£55 per user/month</a:t>
+            </a:r>
+          </a:p>
+          <a:p>
+            <a:r>
+              <a:rPr lang="en-US" dirty="0"/>
+              <a:t>• 	Required for building dashboards and data models</a:t>
+            </a:r>
+          </a:p>
+          <a:p>
+            <a:r>
+              <a:rPr lang="en-US" dirty="0"/>
+              <a:t>• 	Closest equivalent to Power BI Pro</a:t>
+            </a:r>
+          </a:p>
+          <a:p>
+            <a:r>
+              <a:rPr lang="en-US" dirty="0"/>
+              <a:t>Tableau Explorer</a:t>
+            </a:r>
+          </a:p>
+          <a:p>
+            <a:r>
+              <a:rPr lang="en-US" dirty="0"/>
+              <a:t>• 	~£34 per user/month</a:t>
+            </a:r>
+          </a:p>
+          <a:p>
+            <a:r>
+              <a:rPr lang="en-US" dirty="0"/>
+              <a:t>• 	For interacting with dashboards (not full creation)</a:t>
+            </a:r>
+          </a:p>
+          <a:p>
+            <a:r>
+              <a:rPr lang="en-US" dirty="0"/>
+              <a:t>Tableau Viewer</a:t>
+            </a:r>
+          </a:p>
+          <a:p>
+            <a:r>
+              <a:rPr lang="en-US" dirty="0"/>
+              <a:t>• 	~£12 per user/month</a:t>
+            </a:r>
+          </a:p>
+          <a:p>
+            <a:r>
+              <a:rPr lang="en-US" dirty="0"/>
+              <a:t>• 	For read‑only access</a:t>
+            </a:r>
+          </a:p>
+          <a:p>
+            <a:r>
+              <a:rPr lang="en-US" dirty="0"/>
+              <a:t>Lowest entry cost for a creator: ~£55/month</a:t>
+            </a:r>
+          </a:p>
+        </p:txBody>
+      </p:sp>
+      <p:sp>
+        <p:nvSpPr>
+          <p:cNvPr id="4" name="Slide Number Placeholder 3"/>
+          <p:cNvSpPr>
+            <a:spLocks noGrp="1"/>
+          </p:cNvSpPr>
+          <p:nvPr>
+            <p:ph type="sldNum" sz="quarter" idx="5"/>
+          </p:nvPr>
+        </p:nvSpPr>
+        <p:spPr/>
+        <p:txBody>
+          <a:bodyPr/>
+          <a:lstStyle/>
+          <a:p>
+            <a:fld id="{151FDF57-A14F-48D9-9E69-604C729D1E50}" type="slidenum">
+              <a:rPr lang="en-GB" smtClean="0"/>
+              <a:t>6</a:t>
+            </a:fld>
+            <a:endParaRPr lang="en-GB"/>
+          </a:p>
+        </p:txBody>
+      </p:sp>
+    </p:spTree>
+    <p:extLst>
+      <p:ext uri="{BB962C8B-B14F-4D97-AF65-F5344CB8AC3E}">
+        <p14:creationId xmlns:p14="http://schemas.microsoft.com/office/powerpoint/2010/main" val="577167922"/>
+      </p:ext>
+    </p:extLst>
+  </p:cSld>
+  <p:clrMapOvr>
+    <a:masterClrMapping/>
+  </p:clrMapOvr>
+</p:notes>
+</file>
+
+<file path=ppt/notesSlides/notesSlide4.xml><?xml version="1.0" encoding="utf-8"?>
+<p:notes xmlns:a="http://schemas.openxmlformats.org/drawingml/2006/main" xmlns:r="http://schemas.openxmlformats.org/officeDocument/2006/relationships" xmlns:p="http://schemas.openxmlformats.org/presentationml/2006/main">
+  <p:cSld>
+    <p:spTree>
+      <p:nvGrpSpPr>
+        <p:cNvPr id="1" name=""/>
+        <p:cNvGrpSpPr/>
+        <p:nvPr/>
+      </p:nvGrpSpPr>
+      <p:grpSpPr>
+        <a:xfrm>
+          <a:off x="0" y="0"/>
+          <a:ext cx="0" cy="0"/>
+          <a:chOff x="0" y="0"/>
+          <a:chExt cx="0" cy="0"/>
+        </a:xfrm>
+      </p:grpSpPr>
+      <p:sp>
+        <p:nvSpPr>
+          <p:cNvPr id="2" name="Slide Image Placeholder 1"/>
+          <p:cNvSpPr>
+            <a:spLocks noGrp="1" noRot="1" noChangeAspect="1"/>
+          </p:cNvSpPr>
+          <p:nvPr>
+            <p:ph type="sldImg"/>
+          </p:nvPr>
+        </p:nvSpPr>
+        <p:spPr/>
+      </p:sp>
+      <p:sp>
+        <p:nvSpPr>
+          <p:cNvPr id="3" name="Notes Placeholder 2"/>
+          <p:cNvSpPr>
+            <a:spLocks noGrp="1"/>
+          </p:cNvSpPr>
+          <p:nvPr>
+            <p:ph type="body" idx="1"/>
+          </p:nvPr>
+        </p:nvSpPr>
+        <p:spPr/>
+        <p:txBody>
+          <a:bodyPr/>
+          <a:lstStyle/>
+          <a:p>
+            <a:r>
+              <a:rPr lang="en-US" dirty="0"/>
+              <a:t>Power BI stands out as the most balanced, scalable, and cost‑effective BI platform in today’s analytics landscape. While competitors like Tableau, Notion, NetSuite, and SAP Crystal Solutions each offer strengths, Power BI delivers the most comprehensive value across the full analytics lifecycle.</a:t>
+            </a:r>
+            <a:endParaRPr lang="en-GB" dirty="0"/>
+          </a:p>
+        </p:txBody>
+      </p:sp>
+      <p:sp>
+        <p:nvSpPr>
+          <p:cNvPr id="4" name="Slide Number Placeholder 3"/>
+          <p:cNvSpPr>
+            <a:spLocks noGrp="1"/>
+          </p:cNvSpPr>
+          <p:nvPr>
+            <p:ph type="sldNum" sz="quarter" idx="5"/>
+          </p:nvPr>
+        </p:nvSpPr>
+        <p:spPr/>
+        <p:txBody>
+          <a:bodyPr/>
+          <a:lstStyle/>
+          <a:p>
+            <a:fld id="{151FDF57-A14F-48D9-9E69-604C729D1E50}" type="slidenum">
+              <a:rPr lang="en-GB" smtClean="0"/>
+              <a:t>7</a:t>
+            </a:fld>
+            <a:endParaRPr lang="en-GB"/>
+          </a:p>
+        </p:txBody>
+      </p:sp>
+    </p:spTree>
+    <p:extLst>
+      <p:ext uri="{BB962C8B-B14F-4D97-AF65-F5344CB8AC3E}">
+        <p14:creationId xmlns:p14="http://schemas.microsoft.com/office/powerpoint/2010/main" val="303892401"/>
       </p:ext>
     </p:extLst>
   </p:cSld>
@@ -3855,7 +5270,7 @@
         </p:blipFill>
         <p:spPr bwMode="auto">
           <a:xfrm>
-            <a:off x="0" y="45859"/>
+            <a:off x="207169" y="88721"/>
             <a:ext cx="2678594" cy="1488108"/>
           </a:xfrm>
           <a:prstGeom prst="rect">
@@ -3918,27 +5333,7 @@
                 <a:effectLst/>
                 <a:latin typeface="Segoe UI" panose="020B0502040204020203" pitchFamily="34" charset="0"/>
               </a:rPr>
-              <a:t>Power BI is Microsoft's business analytics platform that helps you turn data into actionable insights. Whether you're a business user, report creator, or developer, Power BI offers integrated tools and services to connect, visualize, and share data across your </a:t>
-            </a:r>
-            <a:r>
-              <a:rPr lang="en-US" sz="1600" b="0" i="0" dirty="0" err="1">
-                <a:solidFill>
-                  <a:srgbClr val="161616"/>
-                </a:solidFill>
-                <a:effectLst/>
-                <a:latin typeface="Segoe UI" panose="020B0502040204020203" pitchFamily="34" charset="0"/>
-              </a:rPr>
-              <a:t>organisation</a:t>
-            </a:r>
-            <a:r>
-              <a:rPr lang="en-US" sz="1600" b="0" i="0" dirty="0">
-                <a:solidFill>
-                  <a:srgbClr val="161616"/>
-                </a:solidFill>
-                <a:effectLst/>
-                <a:latin typeface="Segoe UI" panose="020B0502040204020203" pitchFamily="34" charset="0"/>
-              </a:rPr>
-              <a:t>.</a:t>
+              <a:t>Power BI is Microsoft's business analytics platform that helps you turn data into actionable insights. Whether you're a business user, report creator, or developer, Power BI offers integrated tools and services to connect, visualize, and share data across your organization.</a:t>
             </a:r>
             <a:endParaRPr lang="en-GB" dirty="0"/>
           </a:p>
@@ -4151,15 +5546,7 @@
           <a:p>
             <a:r>
               <a:rPr lang="en-US" sz="1900" dirty="0"/>
-              <a:t>Rich </a:t>
-            </a:r>
-            <a:r>
-              <a:rPr lang="en-US" sz="1900" dirty="0" err="1"/>
-              <a:t>visualisations</a:t>
-            </a:r>
-            <a:r>
-              <a:rPr lang="en-US" sz="1900" dirty="0"/>
-              <a:t> and interactive reporting</a:t>
+              <a:t>Rich visualization's and interactive reporting</a:t>
             </a:r>
           </a:p>
           <a:p>
@@ -4369,15 +5756,7 @@
             </a:pPr>
             <a:r>
               <a:rPr lang="en-US" dirty="0"/>
-              <a:t>4. Why </a:t>
-            </a:r>
-            <a:r>
-              <a:rPr lang="en-US" dirty="0" err="1"/>
-              <a:t>Organisations</a:t>
-            </a:r>
-            <a:r>
-              <a:rPr lang="en-US" dirty="0"/>
-              <a:t> Choose Power BI </a:t>
+              <a:t>4. Why Organization's Choose Power BI </a:t>
             </a:r>
           </a:p>
           <a:p>
@@ -4726,12 +6105,14 @@
         </p:nvSpPr>
         <p:spPr>
           <a:xfrm>
-            <a:off x="6913419" y="1856044"/>
-            <a:ext cx="4440381" cy="4325061"/>
+            <a:off x="6096000" y="1909484"/>
+            <a:ext cx="5831158" cy="4325061"/>
           </a:xfrm>
         </p:spPr>
         <p:txBody>
-          <a:bodyPr/>
+          <a:bodyPr>
+            <a:normAutofit/>
+          </a:bodyPr>
           <a:lstStyle/>
           <a:p>
             <a:pPr marL="0" indent="0">
@@ -4744,64 +6125,63 @@
           </a:p>
           <a:p>
             <a:r>
+              <a:rPr lang="en-GB" sz="1800" dirty="0"/>
+              <a:t>Learning curve for DAX and modelling</a:t>
+            </a:r>
+            <a:br>
+              <a:rPr lang="en-GB" sz="1800" dirty="0"/>
+            </a:br>
+            <a:r>
               <a:rPr lang="en-GB" sz="1200" dirty="0"/>
-              <a:t>Learning curve for DAX and modelling</a:t>
+              <a:t>Beginners often struggle with relationships, star schemas, and DAX functions.</a:t>
+            </a:r>
+          </a:p>
+          <a:p>
+            <a:r>
+              <a:rPr lang="en-GB" sz="1800" dirty="0"/>
+              <a:t>Performance issues with very large datasets</a:t>
             </a:r>
             <a:br>
+              <a:rPr lang="en-GB" sz="1800" dirty="0"/>
+            </a:br>
+            <a:r>
               <a:rPr lang="en-GB" sz="1200" dirty="0"/>
+              <a:t>Import mode can hit memory limits; </a:t>
+            </a:r>
+            <a:r>
+              <a:rPr lang="en-GB" sz="1200" dirty="0" err="1"/>
+              <a:t>DirectQuery</a:t>
+            </a:r>
+            <a:r>
+              <a:rPr lang="en-GB" sz="1200" dirty="0"/>
+              <a:t> can be slow depending on the source</a:t>
+            </a:r>
+          </a:p>
+          <a:p>
+            <a:r>
+              <a:rPr lang="en-GB" sz="1800" dirty="0"/>
+              <a:t>Limited advanced customisation vs. Tableau</a:t>
+            </a:r>
+            <a:br>
+              <a:rPr lang="en-GB" sz="1800" dirty="0"/>
             </a:br>
             <a:r>
-              <a:rPr lang="en-GB" sz="900" dirty="0"/>
-              <a:t>Beginners often struggle with relationships, star schemas, and DAX functions.</a:t>
-            </a:r>
-          </a:p>
-          <a:p>
-            <a:r>
               <a:rPr lang="en-GB" sz="1200" dirty="0"/>
-              <a:t>Performance issues with very large datasets</a:t>
+              <a:t>Visuals are powerful but sometimes less flexible for highly bespoke dashboards</a:t>
+            </a:r>
+          </a:p>
+          <a:p>
+            <a:r>
+              <a:rPr lang="en-GB" sz="1800" dirty="0"/>
+              <a:t>Complex governance at scale</a:t>
             </a:r>
             <a:br>
+              <a:rPr lang="en-GB" sz="1800" dirty="0"/>
+            </a:br>
+            <a:r>
               <a:rPr lang="en-GB" sz="1200" dirty="0"/>
-            </a:br>
-            <a:r>
-              <a:rPr lang="en-GB" sz="900" dirty="0"/>
-              <a:t>Import mode can hit memory limits; </a:t>
-            </a:r>
-            <a:r>
-              <a:rPr lang="en-GB" sz="900" dirty="0" err="1"/>
-              <a:t>DirectQuery</a:t>
-            </a:r>
-            <a:r>
-              <a:rPr lang="en-GB" sz="900" dirty="0"/>
-              <a:t> can be slow depending on the source</a:t>
-            </a:r>
-          </a:p>
-          <a:p>
-            <a:r>
-              <a:rPr lang="en-GB" sz="1200" dirty="0"/>
-              <a:t>Limited advanced customisation vs. Tableau</a:t>
-            </a:r>
-            <a:br>
-              <a:rPr lang="en-GB" sz="900" dirty="0"/>
-            </a:br>
-            <a:r>
-              <a:rPr lang="en-GB" sz="900" dirty="0"/>
-              <a:t>Visuals are powerful but sometimes less flexible for highly bespoke dashboards</a:t>
-            </a:r>
-          </a:p>
-          <a:p>
-            <a:r>
-              <a:rPr lang="en-GB" sz="1200" dirty="0"/>
-              <a:t>Complex governance at scale</a:t>
-            </a:r>
-            <a:br>
-              <a:rPr lang="en-GB" sz="1200" dirty="0"/>
-            </a:br>
-            <a:r>
-              <a:rPr lang="en-GB" sz="900" dirty="0"/>
               <a:t>Managing workspaces, permission, and deployment pipelines can get messy without strong governance.</a:t>
             </a:r>
-            <a:endParaRPr lang="en-GB" sz="1200" dirty="0"/>
           </a:p>
         </p:txBody>
       </p:sp>
@@ -4822,7 +6202,7 @@
         <p:spPr>
           <a:xfrm>
             <a:off x="941116" y="1856045"/>
-            <a:ext cx="4337465" cy="4378500"/>
+            <a:ext cx="5154884" cy="4378500"/>
           </a:xfrm>
           <a:prstGeom prst="rect">
             <a:avLst/>
@@ -5007,98 +6387,82 @@
           </a:p>
           <a:p>
             <a:r>
-              <a:rPr lang="en-US" sz="1200" dirty="0"/>
+              <a:rPr lang="en-US" sz="1800" dirty="0"/>
               <a:t>Deep integration with Microsoft ecosystem</a:t>
             </a:r>
             <a:br>
               <a:rPr lang="en-US" sz="1200" dirty="0"/>
             </a:br>
             <a:r>
-              <a:rPr lang="en-US" sz="900" i="1" dirty="0"/>
+              <a:rPr lang="en-US" sz="1200" i="1" dirty="0"/>
               <a:t>Works seamlessly with Excel, Azure, SQL Server, Teams, SharePoint, and Office 365</a:t>
             </a:r>
-          </a:p>
-          <a:p>
-            <a:r>
-              <a:rPr lang="en-US" sz="1200" dirty="0"/>
+            <a:endParaRPr lang="en-US" sz="900" i="1" dirty="0"/>
+          </a:p>
+          <a:p>
+            <a:r>
+              <a:rPr lang="en-US" sz="1800" dirty="0"/>
               <a:t>Cost Effective</a:t>
             </a:r>
             <a:br>
               <a:rPr lang="en-US" sz="1200" dirty="0"/>
             </a:br>
             <a:r>
-              <a:rPr lang="en-US" sz="900" i="1" dirty="0"/>
+              <a:rPr lang="en-US" sz="1200" i="1" dirty="0"/>
               <a:t>Power BI is free, and Pro licensing is relative inexpensive compared to Tableau or Qlik.</a:t>
             </a:r>
           </a:p>
           <a:p>
             <a:r>
-              <a:rPr lang="en-US" sz="1200" dirty="0"/>
+              <a:rPr lang="en-US" sz="1800" dirty="0"/>
               <a:t>Strong data modelling capabilities</a:t>
             </a:r>
             <a:br>
               <a:rPr lang="en-US" sz="1200" dirty="0"/>
             </a:br>
             <a:r>
-              <a:rPr lang="en-US" sz="1000" i="1" dirty="0"/>
-              <a:t>Uses DAX and Power Query, enabling robust </a:t>
-            </a:r>
-            <a:r>
-              <a:rPr lang="en-US" sz="900" i="1" dirty="0"/>
-              <a:t>transformations</a:t>
-            </a:r>
-            <a:r>
-              <a:rPr lang="en-US" sz="1000" i="1" dirty="0"/>
-              <a:t> and analytics.</a:t>
-            </a:r>
-          </a:p>
-          <a:p>
-            <a:r>
-              <a:rPr lang="en-US" sz="1200" dirty="0"/>
+              <a:rPr lang="en-US" sz="1200" i="1" dirty="0"/>
+              <a:t>Uses DAX and Power Query, enabling robust transformations and analytics.</a:t>
+            </a:r>
+          </a:p>
+          <a:p>
+            <a:r>
+              <a:rPr lang="en-US" sz="1800" dirty="0"/>
               <a:t>Frequent Updates</a:t>
             </a:r>
             <a:br>
               <a:rPr lang="en-US" sz="1000" i="1" dirty="0"/>
             </a:br>
             <a:r>
-              <a:rPr lang="en-US" sz="1000" i="1" dirty="0"/>
-              <a:t>Monthly enhancements </a:t>
-            </a:r>
-            <a:r>
-              <a:rPr lang="en-US" sz="900" i="1" dirty="0"/>
-              <a:t>keeping</a:t>
-            </a:r>
-            <a:r>
-              <a:rPr lang="en-US" sz="1000" i="1" dirty="0"/>
-              <a:t> the platform modern and competitive.</a:t>
-            </a:r>
-          </a:p>
-          <a:p>
-            <a:r>
-              <a:rPr lang="en-US" sz="1200" dirty="0"/>
+              <a:rPr lang="en-US" sz="1200" i="1" dirty="0"/>
+              <a:t>Monthly enhancements keeping the platform modern and competitive.</a:t>
+            </a:r>
+          </a:p>
+          <a:p>
+            <a:r>
+              <a:rPr lang="en-US" sz="1800" dirty="0"/>
               <a:t>Large community &amp; learning resources</a:t>
             </a:r>
             <a:br>
               <a:rPr lang="en-US" sz="1200" dirty="0"/>
             </a:br>
             <a:r>
-              <a:rPr lang="en-US" sz="900" dirty="0"/>
+              <a:rPr lang="en-US" sz="1200" dirty="0"/>
               <a:t>Huge user base, tutorials, forums, templates, and community visuals.</a:t>
             </a:r>
           </a:p>
           <a:p>
             <a:r>
-              <a:rPr lang="en-US" sz="1200" dirty="0"/>
+              <a:rPr lang="en-US" sz="1800" dirty="0"/>
               <a:t>AI-powered features</a:t>
             </a:r>
             <a:br>
               <a:rPr lang="en-US" sz="1200" dirty="0"/>
             </a:br>
             <a:r>
-              <a:rPr lang="en-US" sz="900" dirty="0"/>
+              <a:rPr lang="en-US" sz="1200" dirty="0"/>
               <a:t>Smart narratives, Q&amp;A natural language queries, automated insights.</a:t>
             </a:r>
-            <a:endParaRPr lang="en-US" sz="1200" dirty="0"/>
           </a:p>
           <a:p>
             <a:endParaRPr lang="en-US" sz="1200" dirty="0"/>
@@ -5181,7 +6545,7 @@
         <p:spPr>
           <a:xfrm>
             <a:off x="941116" y="1856045"/>
-            <a:ext cx="4337465" cy="4378500"/>
+            <a:ext cx="5266803" cy="4378500"/>
           </a:xfrm>
           <a:prstGeom prst="rect">
             <a:avLst/>
@@ -5370,57 +6734,53 @@
           </a:p>
           <a:p>
             <a:r>
-              <a:rPr lang="en-US" sz="1200" dirty="0"/>
+              <a:rPr lang="en-US" sz="1800" dirty="0"/>
               <a:t>Growing demand for self-service BI</a:t>
             </a:r>
             <a:br>
               <a:rPr lang="en-US" sz="1200" dirty="0"/>
             </a:br>
             <a:r>
-              <a:rPr lang="en-US" sz="900" dirty="0" err="1"/>
-              <a:t>Organisations</a:t>
-            </a:r>
-            <a:r>
-              <a:rPr lang="en-US" sz="900" dirty="0"/>
-              <a:t> want non-technical users to build dashboards – Power BI fits perfectly</a:t>
-            </a:r>
-          </a:p>
-          <a:p>
-            <a:r>
               <a:rPr lang="en-US" sz="1200" dirty="0"/>
+              <a:t>Organization's want non-technical users to build dashboards – Power BI fits perfectly</a:t>
+            </a:r>
+          </a:p>
+          <a:p>
+            <a:r>
+              <a:rPr lang="en-US" sz="1800" dirty="0"/>
               <a:t>Expansion into AI &amp; Copilot integration</a:t>
             </a:r>
             <a:br>
               <a:rPr lang="en-US" sz="900" dirty="0"/>
             </a:br>
             <a:r>
-              <a:rPr lang="en-US" sz="900" dirty="0"/>
+              <a:rPr lang="en-US" sz="1200" dirty="0"/>
               <a:t>Microsoft is embedding more generative AI into Power BI, making insights easier to produce.</a:t>
             </a:r>
           </a:p>
           <a:p>
             <a:r>
-              <a:rPr lang="en-US" sz="1200" dirty="0"/>
+              <a:rPr lang="en-US" sz="1800" dirty="0"/>
               <a:t>Enterprise adoption via Fabric</a:t>
             </a:r>
             <a:br>
               <a:rPr lang="en-US" sz="900" dirty="0"/>
             </a:br>
             <a:r>
-              <a:rPr lang="en-US" sz="900" dirty="0"/>
+              <a:rPr lang="en-US" sz="1200" dirty="0"/>
               <a:t>Power BI is now part of Microsoft Fabric, opening opportunities for unified data engineering.</a:t>
             </a:r>
           </a:p>
           <a:p>
             <a:r>
-              <a:rPr lang="en-US" sz="1200" dirty="0"/>
+              <a:rPr lang="en-US" sz="1800" dirty="0"/>
               <a:t>Increasing cloud migration</a:t>
             </a:r>
             <a:br>
               <a:rPr lang="en-US" sz="900" dirty="0"/>
             </a:br>
             <a:r>
-              <a:rPr lang="en-US" sz="900" dirty="0"/>
+              <a:rPr lang="en-US" sz="1200" dirty="0"/>
               <a:t>As companies move to Azure, Power BI becomes the natural analytics layer.</a:t>
             </a:r>
           </a:p>
@@ -5443,7 +6803,7 @@
         <p:spPr>
           <a:xfrm>
             <a:off x="6686794" y="1856045"/>
-            <a:ext cx="4337465" cy="4378500"/>
+            <a:ext cx="5266803" cy="4378500"/>
           </a:xfrm>
           <a:prstGeom prst="rect">
             <a:avLst/>
@@ -5628,60 +6988,55 @@
           </a:p>
           <a:p>
             <a:r>
-              <a:rPr lang="en-US" sz="1200" dirty="0"/>
+              <a:rPr lang="en-US" sz="1800" dirty="0"/>
               <a:t>Strong competition</a:t>
             </a:r>
             <a:br>
               <a:rPr lang="en-US" sz="1200" dirty="0"/>
             </a:br>
             <a:r>
-              <a:rPr lang="en-US" sz="900" dirty="0"/>
+              <a:rPr lang="en-US" sz="1200" dirty="0"/>
               <a:t>Tableau, Qlik, Looker, and even open-source tools challenge Power BI’s market share</a:t>
             </a:r>
           </a:p>
           <a:p>
             <a:r>
-              <a:rPr lang="en-US" sz="1200" dirty="0"/>
+              <a:rPr lang="en-US" sz="1800" dirty="0"/>
               <a:t>Dependence on Microsoft ecosystem</a:t>
             </a:r>
             <a:br>
               <a:rPr lang="en-US" sz="900" dirty="0"/>
             </a:br>
             <a:r>
-              <a:rPr lang="en-US" sz="900" dirty="0" err="1"/>
-              <a:t>Organisations</a:t>
-            </a:r>
-            <a:r>
-              <a:rPr lang="en-US" sz="900" dirty="0"/>
-              <a:t> heavily invested in AWS or Google Cloud may prefer native tools.</a:t>
-            </a:r>
-          </a:p>
-          <a:p>
-            <a:r>
-              <a:rPr lang="en-US" sz="1050" dirty="0"/>
+              <a:rPr lang="en-US" sz="1200" dirty="0"/>
+              <a:t>Organization's heavily invested in AWS or Google Cloud may prefer native tools.</a:t>
+            </a:r>
+          </a:p>
+          <a:p>
+            <a:r>
+              <a:rPr lang="en-US" sz="1800" dirty="0"/>
               <a:t>Data privacy &amp; compliance concerns</a:t>
+            </a:r>
+            <a:br>
+              <a:rPr lang="en-US" sz="1200" dirty="0"/>
+            </a:br>
+            <a:r>
+              <a:rPr lang="en-US" sz="1200" dirty="0"/>
+              <a:t>Some industries restrict cloud-based analytics, limiting Power BI’s deployment options.</a:t>
+            </a:r>
+          </a:p>
+          <a:p>
+            <a:r>
+              <a:rPr lang="en-US" sz="1800" dirty="0"/>
+              <a:t>Rapid evolution of AI analytics</a:t>
             </a:r>
             <a:br>
               <a:rPr lang="en-US" sz="900" dirty="0"/>
             </a:br>
             <a:r>
-              <a:rPr lang="en-US" sz="900" dirty="0"/>
-              <a:t>Some industries restrict cloud-based analytics, limiting Power BI’s deployment options.</a:t>
-            </a:r>
-          </a:p>
-          <a:p>
-            <a:r>
-              <a:rPr lang="en-US" sz="1100" dirty="0"/>
-              <a:t>Rapid evolution of AI analytics</a:t>
-            </a:r>
-            <a:br>
-              <a:rPr lang="en-US" sz="900" dirty="0"/>
-            </a:br>
-            <a:r>
-              <a:rPr lang="en-US" sz="900" dirty="0"/>
+              <a:rPr lang="en-US" sz="1200" dirty="0"/>
               <a:t>New AI-driven BI tools could disrupt traditional dashboarding platforms.</a:t>
             </a:r>
-            <a:endParaRPr lang="en-US" sz="1200" dirty="0"/>
           </a:p>
         </p:txBody>
       </p:sp>
@@ -5720,6 +7075,256 @@
           <p:cNvPr id="2" name="Title 1">
             <a:extLst>
               <a:ext uri="{FF2B5EF4-FFF2-40B4-BE49-F238E27FC236}">
+                <a16:creationId xmlns:a16="http://schemas.microsoft.com/office/drawing/2014/main" id="{899AAEB2-0EAA-4C79-A506-B0D4A1B1F906}"/>
+              </a:ext>
+            </a:extLst>
+          </p:cNvPr>
+          <p:cNvSpPr>
+            <a:spLocks noGrp="1"/>
+          </p:cNvSpPr>
+          <p:nvPr>
+            <p:ph type="title"/>
+          </p:nvPr>
+        </p:nvSpPr>
+        <p:spPr/>
+        <p:txBody>
+          <a:bodyPr/>
+          <a:lstStyle/>
+          <a:p>
+            <a:r>
+              <a:rPr lang="en-US" dirty="0"/>
+              <a:t>Market Analysis</a:t>
+            </a:r>
+            <a:endParaRPr lang="en-GB" dirty="0"/>
+          </a:p>
+        </p:txBody>
+      </p:sp>
+      <p:graphicFrame>
+        <p:nvGraphicFramePr>
+          <p:cNvPr id="9" name="Content Placeholder 8">
+            <a:extLst>
+              <a:ext uri="{FF2B5EF4-FFF2-40B4-BE49-F238E27FC236}">
+                <a16:creationId xmlns:a16="http://schemas.microsoft.com/office/drawing/2014/main" id="{33AA779B-83B0-4447-A0D4-22C7DC040721}"/>
+              </a:ext>
+            </a:extLst>
+          </p:cNvPr>
+          <p:cNvGraphicFramePr>
+            <a:graphicFrameLocks noGrp="1"/>
+          </p:cNvGraphicFramePr>
+          <p:nvPr>
+            <p:ph idx="1"/>
+            <p:extLst>
+              <p:ext uri="{D42A27DB-BD31-4B8C-83A1-F6EECF244321}">
+                <p14:modId xmlns:p14="http://schemas.microsoft.com/office/powerpoint/2010/main" val="1879787063"/>
+              </p:ext>
+            </p:extLst>
+          </p:nvPr>
+        </p:nvGraphicFramePr>
+        <p:xfrm>
+          <a:off x="838200" y="1804194"/>
+          <a:ext cx="4005263" cy="3796506"/>
+        </p:xfrm>
+        <a:graphic>
+          <a:graphicData uri="http://schemas.openxmlformats.org/drawingml/2006/chart">
+            <c:chart xmlns:c="http://schemas.openxmlformats.org/drawingml/2006/chart" xmlns:r="http://schemas.openxmlformats.org/officeDocument/2006/relationships" r:id="rId3"/>
+          </a:graphicData>
+        </a:graphic>
+      </p:graphicFrame>
+      <p:sp>
+        <p:nvSpPr>
+          <p:cNvPr id="11" name="TextBox 10">
+            <a:extLst>
+              <a:ext uri="{FF2B5EF4-FFF2-40B4-BE49-F238E27FC236}">
+                <a16:creationId xmlns:a16="http://schemas.microsoft.com/office/drawing/2014/main" id="{26B4B208-6DAA-47A1-BF00-4E89A7D06890}"/>
+              </a:ext>
+            </a:extLst>
+          </p:cNvPr>
+          <p:cNvSpPr txBox="1"/>
+          <p:nvPr/>
+        </p:nvSpPr>
+        <p:spPr>
+          <a:xfrm>
+            <a:off x="6096000" y="1804194"/>
+            <a:ext cx="5984081" cy="4893647"/>
+          </a:xfrm>
+          <a:prstGeom prst="rect">
+            <a:avLst/>
+          </a:prstGeom>
+          <a:noFill/>
+        </p:spPr>
+        <p:txBody>
+          <a:bodyPr wrap="square" rtlCol="0">
+            <a:spAutoFit/>
+          </a:bodyPr>
+          <a:lstStyle/>
+          <a:p>
+            <a:pPr marL="285750" indent="-285750">
+              <a:buFont typeface="Arial" panose="020B0604020202020204" pitchFamily="34" charset="0"/>
+              <a:buChar char="•"/>
+            </a:pPr>
+            <a:r>
+              <a:rPr lang="en-US" dirty="0"/>
+              <a:t>Shift to Cloud Analytics</a:t>
+            </a:r>
+            <a:br>
+              <a:rPr lang="en-US" dirty="0"/>
+            </a:br>
+            <a:r>
+              <a:rPr lang="en-US" sz="1200" dirty="0"/>
+              <a:t>Organizations are rapidly moving from on-premises BI to cloud-native platforms.  Both Power BI and Tableau benefit, but Power BI gains more from Azure-centric cloud strategies</a:t>
+            </a:r>
+          </a:p>
+          <a:p>
+            <a:pPr marL="285750" indent="-285750">
+              <a:buFont typeface="Arial" panose="020B0604020202020204" pitchFamily="34" charset="0"/>
+              <a:buChar char="•"/>
+            </a:pPr>
+            <a:endParaRPr lang="en-US" sz="1200" dirty="0"/>
+          </a:p>
+          <a:p>
+            <a:pPr marL="285750" indent="-285750">
+              <a:buFont typeface="Arial" panose="020B0604020202020204" pitchFamily="34" charset="0"/>
+              <a:buChar char="•"/>
+            </a:pPr>
+            <a:r>
+              <a:rPr lang="en-US" dirty="0"/>
+              <a:t>Rise of Self-Service BI</a:t>
+            </a:r>
+            <a:br>
+              <a:rPr lang="en-US" sz="1200" dirty="0"/>
+            </a:br>
+            <a:r>
+              <a:rPr lang="en-US" sz="1200" dirty="0"/>
+              <a:t>Business users increasingly demand tools that allow them to build dashboards without IT dependency.  Power BI’s lower learning curve gives it an edge here</a:t>
+            </a:r>
+          </a:p>
+          <a:p>
+            <a:pPr marL="285750" indent="-285750">
+              <a:buFont typeface="Arial" panose="020B0604020202020204" pitchFamily="34" charset="0"/>
+              <a:buChar char="•"/>
+            </a:pPr>
+            <a:endParaRPr lang="en-US" sz="1200" dirty="0"/>
+          </a:p>
+          <a:p>
+            <a:pPr marL="285750" indent="-285750">
+              <a:buFont typeface="Arial" panose="020B0604020202020204" pitchFamily="34" charset="0"/>
+              <a:buChar char="•"/>
+            </a:pPr>
+            <a:r>
+              <a:rPr lang="en-US" dirty="0"/>
+              <a:t>AI-Driven Insights</a:t>
+            </a:r>
+            <a:br>
+              <a:rPr lang="en-US" sz="1200" dirty="0"/>
+            </a:br>
+            <a:r>
+              <a:rPr lang="en-US" sz="1200" dirty="0"/>
+              <a:t>Demand for automated insights, natural lingual queries, and predictive analytics is accelerating.  Power BI’s AI features and Copilot integration position it strongly in this trend.</a:t>
+            </a:r>
+          </a:p>
+          <a:p>
+            <a:pPr marL="285750" indent="-285750">
+              <a:buFont typeface="Arial" panose="020B0604020202020204" pitchFamily="34" charset="0"/>
+              <a:buChar char="•"/>
+            </a:pPr>
+            <a:endParaRPr lang="en-US" sz="1200" dirty="0"/>
+          </a:p>
+          <a:p>
+            <a:pPr marL="285750" indent="-285750">
+              <a:buFont typeface="Arial" panose="020B0604020202020204" pitchFamily="34" charset="0"/>
+              <a:buChar char="•"/>
+            </a:pPr>
+            <a:r>
+              <a:rPr lang="en-US" dirty="0"/>
+              <a:t>Unified Data Platforms</a:t>
+            </a:r>
+            <a:br>
+              <a:rPr lang="en-US" sz="1200" dirty="0"/>
+            </a:br>
+            <a:r>
+              <a:rPr lang="en-US" sz="1200" dirty="0"/>
+              <a:t>The market is shifting towards end-to-end analytics ecosystems.</a:t>
+            </a:r>
+            <a:br>
+              <a:rPr lang="en-US" sz="1200" dirty="0"/>
+            </a:br>
+            <a:r>
+              <a:rPr lang="en-US" sz="1200" dirty="0"/>
+              <a:t>Microsoft Fabric strengthens Power BI’s position as part of a unified data stack.</a:t>
+            </a:r>
+            <a:br>
+              <a:rPr lang="en-US" sz="1200" dirty="0"/>
+            </a:br>
+            <a:endParaRPr lang="en-US" sz="1200" dirty="0"/>
+          </a:p>
+          <a:p>
+            <a:pPr marL="285750" indent="-285750">
+              <a:buFont typeface="Arial" panose="020B0604020202020204" pitchFamily="34" charset="0"/>
+              <a:buChar char="•"/>
+            </a:pPr>
+            <a:r>
+              <a:rPr lang="en-US" dirty="0"/>
+              <a:t>Cost Optimization</a:t>
+            </a:r>
+            <a:br>
+              <a:rPr lang="en-US" sz="1200" dirty="0"/>
+            </a:br>
+            <a:r>
+              <a:rPr lang="en-US" sz="1200" dirty="0"/>
+              <a:t>Enterprises are under pressure to reduce BI spend.</a:t>
+            </a:r>
+            <a:br>
+              <a:rPr lang="en-US" sz="1200" dirty="0"/>
+            </a:br>
+            <a:r>
+              <a:rPr lang="en-US" sz="1200" dirty="0"/>
+              <a:t>Power BI’s pricing model is a major competitive advantage over Tableau.</a:t>
+            </a:r>
+            <a:br>
+              <a:rPr lang="en-US" sz="1200" dirty="0"/>
+            </a:br>
+            <a:br>
+              <a:rPr lang="en-US" sz="1200" dirty="0"/>
+            </a:br>
+            <a:endParaRPr lang="en-GB" dirty="0"/>
+          </a:p>
+        </p:txBody>
+      </p:sp>
+    </p:spTree>
+    <p:extLst>
+      <p:ext uri="{BB962C8B-B14F-4D97-AF65-F5344CB8AC3E}">
+        <p14:creationId xmlns:p14="http://schemas.microsoft.com/office/powerpoint/2010/main" val="8447353"/>
+      </p:ext>
+    </p:extLst>
+  </p:cSld>
+  <p:clrMapOvr>
+    <a:masterClrMapping/>
+  </p:clrMapOvr>
+</p:sld>
+</file>
+
+<file path=ppt/slides/slide6.xml><?xml version="1.0" encoding="utf-8"?>
+<p:sld xmlns:a="http://schemas.openxmlformats.org/drawingml/2006/main" xmlns:r="http://schemas.openxmlformats.org/officeDocument/2006/relationships" xmlns:p="http://schemas.openxmlformats.org/presentationml/2006/main">
+  <p:cSld>
+    <p:spTree>
+      <p:nvGrpSpPr>
+        <p:cNvPr id="1" name=""/>
+        <p:cNvGrpSpPr/>
+        <p:nvPr/>
+      </p:nvGrpSpPr>
+      <p:grpSpPr>
+        <a:xfrm>
+          <a:off x="0" y="0"/>
+          <a:ext cx="0" cy="0"/>
+          <a:chOff x="0" y="0"/>
+          <a:chExt cx="0" cy="0"/>
+        </a:xfrm>
+      </p:grpSpPr>
+      <p:sp>
+        <p:nvSpPr>
+          <p:cNvPr id="2" name="Title 1">
+            <a:extLst>
+              <a:ext uri="{FF2B5EF4-FFF2-40B4-BE49-F238E27FC236}">
                 <a16:creationId xmlns:a16="http://schemas.microsoft.com/office/drawing/2014/main" id="{468EACD8-4591-4DF0-B646-FA735EE939DD}"/>
               </a:ext>
             </a:extLst>
@@ -5737,20 +7342,8 @@
           <a:lstStyle/>
           <a:p>
             <a:r>
-              <a:rPr lang="en-US" dirty="0" err="1"/>
-              <a:t>Delpoyment</a:t>
-            </a:r>
-            <a:r>
               <a:rPr lang="en-US" dirty="0"/>
-              <a:t> Costs by </a:t>
-            </a:r>
-            <a:r>
-              <a:rPr lang="en-US" dirty="0" err="1"/>
-              <a:t>Organisation</a:t>
-            </a:r>
-            <a:r>
-              <a:rPr lang="en-US" dirty="0"/>
-              <a:t> Size</a:t>
+              <a:t>Deployment Costs by Organization Size</a:t>
             </a:r>
             <a:endParaRPr lang="en-GB" dirty="0"/>
           </a:p>
@@ -6203,6 +7796,134 @@
     <p:extLst>
       <p:ext uri="{BB962C8B-B14F-4D97-AF65-F5344CB8AC3E}">
         <p14:creationId xmlns:p14="http://schemas.microsoft.com/office/powerpoint/2010/main" val="3574442995"/>
+      </p:ext>
+    </p:extLst>
+  </p:cSld>
+  <p:clrMapOvr>
+    <a:masterClrMapping/>
+  </p:clrMapOvr>
+</p:sld>
+</file>
+
+<file path=ppt/slides/slide7.xml><?xml version="1.0" encoding="utf-8"?>
+<p:sld xmlns:a="http://schemas.openxmlformats.org/drawingml/2006/main" xmlns:r="http://schemas.openxmlformats.org/officeDocument/2006/relationships" xmlns:p="http://schemas.openxmlformats.org/presentationml/2006/main">
+  <p:cSld>
+    <p:spTree>
+      <p:nvGrpSpPr>
+        <p:cNvPr id="1" name=""/>
+        <p:cNvGrpSpPr/>
+        <p:nvPr/>
+      </p:nvGrpSpPr>
+      <p:grpSpPr>
+        <a:xfrm>
+          <a:off x="0" y="0"/>
+          <a:ext cx="0" cy="0"/>
+          <a:chOff x="0" y="0"/>
+          <a:chExt cx="0" cy="0"/>
+        </a:xfrm>
+      </p:grpSpPr>
+      <p:sp>
+        <p:nvSpPr>
+          <p:cNvPr id="2" name="Title 1">
+            <a:extLst>
+              <a:ext uri="{FF2B5EF4-FFF2-40B4-BE49-F238E27FC236}">
+                <a16:creationId xmlns:a16="http://schemas.microsoft.com/office/drawing/2014/main" id="{D79C2322-52CA-4217-8A47-952DE760B3E3}"/>
+              </a:ext>
+            </a:extLst>
+          </p:cNvPr>
+          <p:cNvSpPr>
+            <a:spLocks noGrp="1"/>
+          </p:cNvSpPr>
+          <p:nvPr>
+            <p:ph type="title"/>
+          </p:nvPr>
+        </p:nvSpPr>
+        <p:spPr/>
+        <p:txBody>
+          <a:bodyPr/>
+          <a:lstStyle/>
+          <a:p>
+            <a:r>
+              <a:rPr lang="en-US" dirty="0"/>
+              <a:t>Conclusion</a:t>
+            </a:r>
+            <a:endParaRPr lang="en-GB" dirty="0"/>
+          </a:p>
+        </p:txBody>
+      </p:sp>
+      <p:sp>
+        <p:nvSpPr>
+          <p:cNvPr id="3" name="Content Placeholder 2">
+            <a:extLst>
+              <a:ext uri="{FF2B5EF4-FFF2-40B4-BE49-F238E27FC236}">
+                <a16:creationId xmlns:a16="http://schemas.microsoft.com/office/drawing/2014/main" id="{41599172-BEEA-4E26-AF8E-49C61732A8A7}"/>
+              </a:ext>
+            </a:extLst>
+          </p:cNvPr>
+          <p:cNvSpPr>
+            <a:spLocks noGrp="1"/>
+          </p:cNvSpPr>
+          <p:nvPr>
+            <p:ph idx="1"/>
+          </p:nvPr>
+        </p:nvSpPr>
+        <p:spPr/>
+        <p:txBody>
+          <a:bodyPr/>
+          <a:lstStyle/>
+          <a:p>
+            <a:r>
+              <a:rPr lang="en-US" sz="2400" dirty="0"/>
+              <a:t>Power BI continues to be the Market Leader in today’s analytics landscape.  It delivers the most comprehensive value across the full analytics </a:t>
+            </a:r>
+            <a:r>
+              <a:rPr lang="en-US" sz="2400" dirty="0" err="1"/>
+              <a:t>lifecyle</a:t>
+            </a:r>
+            <a:r>
+              <a:rPr lang="en-US" sz="2400" dirty="0"/>
+              <a:t>.</a:t>
+            </a:r>
+          </a:p>
+          <a:p>
+            <a:r>
+              <a:rPr lang="en-US" sz="2400" dirty="0"/>
+              <a:t>Seamless connectivity with Microsoft 365, Azure, Dynamics 365, Teams, and SharePoint.</a:t>
+            </a:r>
+          </a:p>
+          <a:p>
+            <a:r>
+              <a:rPr lang="en-US" sz="2400" dirty="0"/>
+              <a:t>Supported by a massive global community and monthly updates.</a:t>
+            </a:r>
+          </a:p>
+          <a:p>
+            <a:r>
+              <a:rPr lang="en-US" sz="2400" dirty="0"/>
+              <a:t>AI power insights, natural language Q&amp;A, and Copilot integration.</a:t>
+            </a:r>
+          </a:p>
+          <a:p>
+            <a:r>
+              <a:rPr lang="en-US" sz="2400" dirty="0"/>
+              <a:t>Scalable for small, medium and large enterprises.</a:t>
+            </a:r>
+          </a:p>
+          <a:p>
+            <a:r>
+              <a:rPr lang="en-US" sz="2400" dirty="0"/>
+              <a:t>Single end-to-end analytics platform.</a:t>
+            </a:r>
+          </a:p>
+          <a:p>
+            <a:endParaRPr lang="en-GB" dirty="0"/>
+          </a:p>
+        </p:txBody>
+      </p:sp>
+    </p:spTree>
+    <p:extLst>
+      <p:ext uri="{BB962C8B-B14F-4D97-AF65-F5344CB8AC3E}">
+        <p14:creationId xmlns:p14="http://schemas.microsoft.com/office/powerpoint/2010/main" val="594384513"/>
       </p:ext>
     </p:extLst>
   </p:cSld>
